--- a/Zero 理财精灵.pptx
+++ b/Zero 理财精灵.pptx
@@ -507,11 +507,11 @@
           <c:showBubbleSize val="0"/>
         </c:dLbls>
         <c:smooth val="0"/>
-        <c:axId val="289833808"/>
-        <c:axId val="289833248"/>
+        <c:axId val="400258592"/>
+        <c:axId val="400259152"/>
       </c:lineChart>
       <c:catAx>
-        <c:axId val="289833808"/>
+        <c:axId val="400258592"/>
         <c:scaling>
           <c:orientation val="minMax"/>
         </c:scaling>
@@ -551,7 +551,7 @@
             <a:endParaRPr lang="zh-CN"/>
           </a:p>
         </c:txPr>
-        <c:crossAx val="289833248"/>
+        <c:crossAx val="400259152"/>
         <c:crosses val="autoZero"/>
         <c:auto val="1"/>
         <c:lblAlgn val="ctr"/>
@@ -559,7 +559,7 @@
         <c:noMultiLvlLbl val="0"/>
       </c:catAx>
       <c:valAx>
-        <c:axId val="289833248"/>
+        <c:axId val="400259152"/>
         <c:scaling>
           <c:orientation val="minMax"/>
           <c:max val="0.1"/>
@@ -608,7 +608,7 @@
             <a:endParaRPr lang="zh-CN"/>
           </a:p>
         </c:txPr>
-        <c:crossAx val="289833808"/>
+        <c:crossAx val="400258592"/>
         <c:crosses val="autoZero"/>
         <c:crossBetween val="between"/>
       </c:valAx>
@@ -807,7 +807,6 @@
           <c:dLbls>
             <c:dLbl>
               <c:idx val="0"/>
-              <c:layout/>
               <c:tx>
                 <c:rich>
                   <a:bodyPr/>
@@ -834,7 +833,6 @@
               <c:showBubbleSize val="0"/>
               <c:extLst>
                 <c:ext xmlns:c15="http://schemas.microsoft.com/office/drawing/2012/chart" uri="{CE6537A1-D6FC-4f65-9D91-7224C49458BB}">
-                  <c15:layout/>
                   <c15:dlblFieldTable/>
                   <c15:showDataLabelsRange val="0"/>
                 </c:ext>
@@ -888,9 +886,7 @@
               </c:spPr>
             </c:leaderLines>
             <c:extLst>
-              <c:ext xmlns:c15="http://schemas.microsoft.com/office/drawing/2012/chart" uri="{CE6537A1-D6FC-4f65-9D91-7224C49458BB}">
-                <c15:layout/>
-              </c:ext>
+              <c:ext xmlns:c15="http://schemas.microsoft.com/office/drawing/2012/chart" uri="{CE6537A1-D6FC-4f65-9D91-7224C49458BB}"/>
             </c:extLst>
           </c:dLbls>
           <c:cat>
@@ -5721,6 +5717,13 @@
         </dgm:presLayoutVars>
       </dgm:prSet>
       <dgm:spPr/>
+      <dgm:t>
+        <a:bodyPr/>
+        <a:lstStyle/>
+        <a:p>
+          <a:endParaRPr lang="zh-CN" altLang="en-US"/>
+        </a:p>
+      </dgm:t>
     </dgm:pt>
     <dgm:pt modelId="{B3FB1C37-34AA-462B-9DAD-B0C44C6F1EDD}" type="pres">
       <dgm:prSet presAssocID="{CEE047CD-97BE-474B-A6E1-73954C61A2F9}" presName="triangle1" presStyleLbl="node1" presStyleIdx="0" presStyleCnt="9">
@@ -5819,6 +5822,13 @@
         </dgm:presLayoutVars>
       </dgm:prSet>
       <dgm:spPr/>
+      <dgm:t>
+        <a:bodyPr/>
+        <a:lstStyle/>
+        <a:p>
+          <a:endParaRPr lang="zh-CN" altLang="en-US"/>
+        </a:p>
+      </dgm:t>
     </dgm:pt>
     <dgm:pt modelId="{11E65FB8-0327-4534-B352-96F8BD7EC250}" type="pres">
       <dgm:prSet presAssocID="{CEE047CD-97BE-474B-A6E1-73954C61A2F9}" presName="triangle8" presStyleLbl="node1" presStyleIdx="7" presStyleCnt="9">
@@ -5827,6 +5837,13 @@
         </dgm:presLayoutVars>
       </dgm:prSet>
       <dgm:spPr/>
+      <dgm:t>
+        <a:bodyPr/>
+        <a:lstStyle/>
+        <a:p>
+          <a:endParaRPr lang="zh-CN" altLang="en-US"/>
+        </a:p>
+      </dgm:t>
     </dgm:pt>
     <dgm:pt modelId="{A37C02E1-3222-4C16-ACBA-54983454E814}" type="pres">
       <dgm:prSet presAssocID="{CEE047CD-97BE-474B-A6E1-73954C61A2F9}" presName="triangle9" presStyleLbl="node1" presStyleIdx="8" presStyleCnt="9">
@@ -5835,6 +5852,13 @@
         </dgm:presLayoutVars>
       </dgm:prSet>
       <dgm:spPr/>
+      <dgm:t>
+        <a:bodyPr/>
+        <a:lstStyle/>
+        <a:p>
+          <a:endParaRPr lang="zh-CN" altLang="en-US"/>
+        </a:p>
+      </dgm:t>
     </dgm:pt>
   </dgm:ptLst>
   <dgm:cxnLst>
@@ -5853,8 +5877,8 @@
     <dgm:cxn modelId="{CC77FB05-0591-41AC-B5E3-8296D4AEF606}" srcId="{CEE047CD-97BE-474B-A6E1-73954C61A2F9}" destId="{C69BAB13-6080-4E0D-A202-B437712F2280}" srcOrd="8" destOrd="0" parTransId="{3437B292-6BE7-4E6F-95AB-5E315DFC23D7}" sibTransId="{859F3AD6-E8ED-4D95-A2D3-620E2B875034}"/>
     <dgm:cxn modelId="{29649071-D31C-4350-AA3A-3E5B86EF1E49}" srcId="{CEE047CD-97BE-474B-A6E1-73954C61A2F9}" destId="{1B847C42-DC0F-4C87-A3EB-19DC87EEC93D}" srcOrd="2" destOrd="0" parTransId="{5DE80966-6E2D-4B39-A123-A13064284909}" sibTransId="{9E744291-29E9-4B22-812C-3AF28174E535}"/>
     <dgm:cxn modelId="{0202203A-62A8-460B-819F-BC06A0B31B84}" type="presOf" srcId="{155A6785-0B62-4311-8A87-F009DD47E775}" destId="{B3FB1C37-34AA-462B-9DAD-B0C44C6F1EDD}" srcOrd="0" destOrd="0" presId="urn:microsoft.com/office/officeart/2005/8/layout/pyramid4"/>
+    <dgm:cxn modelId="{73CBA72C-EE65-4370-B6FE-4047FE9F85C5}" type="presOf" srcId="{C69BAB13-6080-4E0D-A202-B437712F2280}" destId="{A37C02E1-3222-4C16-ACBA-54983454E814}" srcOrd="0" destOrd="0" presId="urn:microsoft.com/office/officeart/2005/8/layout/pyramid4"/>
     <dgm:cxn modelId="{13F452BD-76FC-448D-A41E-72C2CE74406E}" srcId="{CEE047CD-97BE-474B-A6E1-73954C61A2F9}" destId="{F5265BD6-281E-4730-AC1F-B648ED655965}" srcOrd="5" destOrd="0" parTransId="{A4ACCF1B-91AD-45A4-B8A4-629A4A2DA75D}" sibTransId="{0D4EF284-6BFD-42B4-8981-3232B298DD80}"/>
-    <dgm:cxn modelId="{73CBA72C-EE65-4370-B6FE-4047FE9F85C5}" type="presOf" srcId="{C69BAB13-6080-4E0D-A202-B437712F2280}" destId="{A37C02E1-3222-4C16-ACBA-54983454E814}" srcOrd="0" destOrd="0" presId="urn:microsoft.com/office/officeart/2005/8/layout/pyramid4"/>
     <dgm:cxn modelId="{AA11465A-31F0-4BEF-BFC3-75F01A97CD0B}" srcId="{CEE047CD-97BE-474B-A6E1-73954C61A2F9}" destId="{F7582264-D5C8-47CA-A09E-78979D56DA69}" srcOrd="7" destOrd="0" parTransId="{0F6EC582-542E-4EC4-B485-C5771F72ADA1}" sibTransId="{4DFA6D01-B792-4749-BC0E-3415636B1B79}"/>
     <dgm:cxn modelId="{80566B46-000C-447A-A9D7-8D017CF9DC62}" type="presOf" srcId="{20290F05-BCDA-46A7-BA76-A8B22C845A33}" destId="{71E9FD00-A375-48E8-AC3B-08B2B95A1C01}" srcOrd="0" destOrd="0" presId="urn:microsoft.com/office/officeart/2005/8/layout/pyramid4"/>
     <dgm:cxn modelId="{EAA3990F-DC89-42BA-A2F5-26285A3DD076}" type="presOf" srcId="{CFA20071-C289-4DF6-B37D-3B133E5B97DE}" destId="{60EF9B6C-8F7C-4967-8E05-D163824CD027}" srcOrd="0" destOrd="0" presId="urn:microsoft.com/office/officeart/2005/8/layout/pyramid4"/>
@@ -6020,6 +6044,13 @@
         </dgm:presLayoutVars>
       </dgm:prSet>
       <dgm:spPr/>
+      <dgm:t>
+        <a:bodyPr/>
+        <a:lstStyle/>
+        <a:p>
+          <a:endParaRPr lang="zh-CN" altLang="en-US"/>
+        </a:p>
+      </dgm:t>
     </dgm:pt>
     <dgm:pt modelId="{475ABF8F-B6E1-4269-ACD8-E3CE8BF1A105}" type="pres">
       <dgm:prSet presAssocID="{AF0ED655-9706-4EE7-9243-F64867DAAD82}" presName="parTxOnlySpace" presStyleCnt="0"/>
@@ -6034,6 +6065,13 @@
         </dgm:presLayoutVars>
       </dgm:prSet>
       <dgm:spPr/>
+      <dgm:t>
+        <a:bodyPr/>
+        <a:lstStyle/>
+        <a:p>
+          <a:endParaRPr lang="zh-CN" altLang="en-US"/>
+        </a:p>
+      </dgm:t>
     </dgm:pt>
     <dgm:pt modelId="{6F1B4D57-7B9A-4A30-9AE4-70099DEDE101}" type="pres">
       <dgm:prSet presAssocID="{FF98F6B0-E28C-4BA6-9D08-7303DC253151}" presName="parTxOnlySpace" presStyleCnt="0"/>
@@ -6048,16 +6086,23 @@
         </dgm:presLayoutVars>
       </dgm:prSet>
       <dgm:spPr/>
+      <dgm:t>
+        <a:bodyPr/>
+        <a:lstStyle/>
+        <a:p>
+          <a:endParaRPr lang="zh-CN" altLang="en-US"/>
+        </a:p>
+      </dgm:t>
     </dgm:pt>
   </dgm:ptLst>
   <dgm:cxnLst>
-    <dgm:cxn modelId="{6975E832-31DC-4F40-ACE9-FF178830398E}" type="presOf" srcId="{783263F5-199C-49DE-90F4-7C9BC6A69210}" destId="{BFBBD934-5DDE-417B-A828-1BC74C0AA09B}" srcOrd="0" destOrd="0" presId="urn:microsoft.com/office/officeart/2005/8/layout/chevron1"/>
-    <dgm:cxn modelId="{DEE56911-E0B6-43A5-9D3F-F964DA8C53D0}" type="presOf" srcId="{527CD77F-2829-4C95-A6AF-84C3718CFAF0}" destId="{66B0F6ED-B8CD-4F20-9C38-4935BA43217D}" srcOrd="0" destOrd="0" presId="urn:microsoft.com/office/officeart/2005/8/layout/chevron1"/>
-    <dgm:cxn modelId="{D8A755C5-42EC-457E-87B2-717677D5C9BC}" srcId="{1EFA04F2-7041-4B9A-ADAA-D02B78C78486}" destId="{527CD77F-2829-4C95-A6AF-84C3718CFAF0}" srcOrd="1" destOrd="0" parTransId="{057662CD-C42C-44E0-98DD-E04F1F3B0CE7}" sibTransId="{FF98F6B0-E28C-4BA6-9D08-7303DC253151}"/>
-    <dgm:cxn modelId="{FE89552F-2CC1-4DE9-AEE9-5B7A97A89F75}" srcId="{1EFA04F2-7041-4B9A-ADAA-D02B78C78486}" destId="{783263F5-199C-49DE-90F4-7C9BC6A69210}" srcOrd="0" destOrd="0" parTransId="{06AF046E-FA4A-4770-BAA0-A478F074A264}" sibTransId="{AF0ED655-9706-4EE7-9243-F64867DAAD82}"/>
     <dgm:cxn modelId="{474A4BFB-7D4F-476E-84E0-45696AC3E7E7}" type="presOf" srcId="{0AC04C90-AC00-49D2-B8B4-65E6EF1561A5}" destId="{AB16BB71-0847-4EDD-83ED-F9D36CD7057C}" srcOrd="0" destOrd="0" presId="urn:microsoft.com/office/officeart/2005/8/layout/chevron1"/>
     <dgm:cxn modelId="{ED5B6BEE-CF01-46B3-94BD-36ED3F92EF5B}" srcId="{1EFA04F2-7041-4B9A-ADAA-D02B78C78486}" destId="{0AC04C90-AC00-49D2-B8B4-65E6EF1561A5}" srcOrd="2" destOrd="0" parTransId="{FD821F25-8B13-4DC4-9F59-720EF53B398C}" sibTransId="{68717BC3-076F-4B6E-9EAB-B40D49FA38B9}"/>
+    <dgm:cxn modelId="{6975E832-31DC-4F40-ACE9-FF178830398E}" type="presOf" srcId="{783263F5-199C-49DE-90F4-7C9BC6A69210}" destId="{BFBBD934-5DDE-417B-A828-1BC74C0AA09B}" srcOrd="0" destOrd="0" presId="urn:microsoft.com/office/officeart/2005/8/layout/chevron1"/>
+    <dgm:cxn modelId="{D8A755C5-42EC-457E-87B2-717677D5C9BC}" srcId="{1EFA04F2-7041-4B9A-ADAA-D02B78C78486}" destId="{527CD77F-2829-4C95-A6AF-84C3718CFAF0}" srcOrd="1" destOrd="0" parTransId="{057662CD-C42C-44E0-98DD-E04F1F3B0CE7}" sibTransId="{FF98F6B0-E28C-4BA6-9D08-7303DC253151}"/>
     <dgm:cxn modelId="{41AE927D-5012-4A62-BB8C-9294EBD86712}" type="presOf" srcId="{1EFA04F2-7041-4B9A-ADAA-D02B78C78486}" destId="{2DF3DCB9-C33A-4912-B606-EA92FDB65FCE}" srcOrd="0" destOrd="0" presId="urn:microsoft.com/office/officeart/2005/8/layout/chevron1"/>
+    <dgm:cxn modelId="{DEE56911-E0B6-43A5-9D3F-F964DA8C53D0}" type="presOf" srcId="{527CD77F-2829-4C95-A6AF-84C3718CFAF0}" destId="{66B0F6ED-B8CD-4F20-9C38-4935BA43217D}" srcOrd="0" destOrd="0" presId="urn:microsoft.com/office/officeart/2005/8/layout/chevron1"/>
+    <dgm:cxn modelId="{FE89552F-2CC1-4DE9-AEE9-5B7A97A89F75}" srcId="{1EFA04F2-7041-4B9A-ADAA-D02B78C78486}" destId="{783263F5-199C-49DE-90F4-7C9BC6A69210}" srcOrd="0" destOrd="0" parTransId="{06AF046E-FA4A-4770-BAA0-A478F074A264}" sibTransId="{AF0ED655-9706-4EE7-9243-F64867DAAD82}"/>
     <dgm:cxn modelId="{B9556FDB-2872-4213-9544-E7B4A5CDE8DD}" type="presParOf" srcId="{2DF3DCB9-C33A-4912-B606-EA92FDB65FCE}" destId="{BFBBD934-5DDE-417B-A828-1BC74C0AA09B}" srcOrd="0" destOrd="0" presId="urn:microsoft.com/office/officeart/2005/8/layout/chevron1"/>
     <dgm:cxn modelId="{232E39EF-F0C0-45F8-B025-2643D974CA57}" type="presParOf" srcId="{2DF3DCB9-C33A-4912-B606-EA92FDB65FCE}" destId="{475ABF8F-B6E1-4269-ACD8-E3CE8BF1A105}" srcOrd="1" destOrd="0" presId="urn:microsoft.com/office/officeart/2005/8/layout/chevron1"/>
     <dgm:cxn modelId="{356EF60E-9274-47EF-97A6-8E10EDE1B24A}" type="presParOf" srcId="{2DF3DCB9-C33A-4912-B606-EA92FDB65FCE}" destId="{66B0F6ED-B8CD-4F20-9C38-4935BA43217D}" srcOrd="2" destOrd="0" presId="urn:microsoft.com/office/officeart/2005/8/layout/chevron1"/>
@@ -6245,6 +6290,13 @@
         </dgm:presLayoutVars>
       </dgm:prSet>
       <dgm:spPr/>
+      <dgm:t>
+        <a:bodyPr/>
+        <a:lstStyle/>
+        <a:p>
+          <a:endParaRPr lang="zh-CN" altLang="en-US"/>
+        </a:p>
+      </dgm:t>
     </dgm:pt>
     <dgm:pt modelId="{7935558D-2AE6-427E-9248-ADB56F344504}" type="pres">
       <dgm:prSet presAssocID="{43ED3E26-0073-48AF-8BA0-7B4F87DA2DEA}" presName="bullet3b" presStyleLbl="node1" presStyleIdx="1" presStyleCnt="3"/>
@@ -6257,6 +6309,13 @@
         </dgm:presLayoutVars>
       </dgm:prSet>
       <dgm:spPr/>
+      <dgm:t>
+        <a:bodyPr/>
+        <a:lstStyle/>
+        <a:p>
+          <a:endParaRPr lang="zh-CN" altLang="en-US"/>
+        </a:p>
+      </dgm:t>
     </dgm:pt>
     <dgm:pt modelId="{A68283C3-763F-43C1-A44F-46197F15E9E8}" type="pres">
       <dgm:prSet presAssocID="{3DF13F36-C9B6-4C7C-9B25-B39163C7AA69}" presName="bullet3c" presStyleLbl="node1" presStyleIdx="2" presStyleCnt="3"/>
@@ -6269,16 +6328,23 @@
         </dgm:presLayoutVars>
       </dgm:prSet>
       <dgm:spPr/>
+      <dgm:t>
+        <a:bodyPr/>
+        <a:lstStyle/>
+        <a:p>
+          <a:endParaRPr lang="zh-CN" altLang="en-US"/>
+        </a:p>
+      </dgm:t>
     </dgm:pt>
   </dgm:ptLst>
   <dgm:cxnLst>
+    <dgm:cxn modelId="{13FC9A3B-9D65-45B7-A59B-2564B8DC7392}" type="presOf" srcId="{3DF13F36-C9B6-4C7C-9B25-B39163C7AA69}" destId="{1FC2996B-7D09-4CB5-B425-EC4DA668979E}" srcOrd="0" destOrd="0" presId="urn:microsoft.com/office/officeart/2005/8/layout/arrow2"/>
     <dgm:cxn modelId="{DDB65544-DD99-4B37-A310-B4DFE3A96F26}" srcId="{A692478B-DE15-4E52-8649-49FDADC5A153}" destId="{43ED3E26-0073-48AF-8BA0-7B4F87DA2DEA}" srcOrd="1" destOrd="0" parTransId="{38695101-1B2B-4940-AA6F-D7B41DBC7D64}" sibTransId="{9E0AEF1C-BA83-4DBD-9237-A91C489CF18E}"/>
+    <dgm:cxn modelId="{6A0AEEE4-C723-4EF5-98E6-7C822E088C88}" type="presOf" srcId="{43ED3E26-0073-48AF-8BA0-7B4F87DA2DEA}" destId="{6F2FD126-6AD3-4A59-818C-17E74DFB1190}" srcOrd="0" destOrd="0" presId="urn:microsoft.com/office/officeart/2005/8/layout/arrow2"/>
     <dgm:cxn modelId="{E37C8E7A-8CF4-4C70-9538-9558FD8FDF54}" srcId="{A692478B-DE15-4E52-8649-49FDADC5A153}" destId="{1478108E-8D27-42F6-B64C-02B74FB3191F}" srcOrd="0" destOrd="0" parTransId="{207B75E8-FEB7-41D0-B730-452B1F664EEB}" sibTransId="{F92367AD-B9E9-49EC-952F-6D5F4E768BB7}"/>
+    <dgm:cxn modelId="{6B241842-A893-4A0F-94E6-E7EF3B13EF1B}" type="presOf" srcId="{1478108E-8D27-42F6-B64C-02B74FB3191F}" destId="{DBE6EF3C-CDF0-4E50-A80A-896AACCABDB7}" srcOrd="0" destOrd="0" presId="urn:microsoft.com/office/officeart/2005/8/layout/arrow2"/>
+    <dgm:cxn modelId="{2052853D-F75E-4751-83CF-C6B3B2DDC978}" srcId="{A692478B-DE15-4E52-8649-49FDADC5A153}" destId="{3DF13F36-C9B6-4C7C-9B25-B39163C7AA69}" srcOrd="2" destOrd="0" parTransId="{FE80E687-BA52-4752-87C9-2E5500E861D1}" sibTransId="{2B3FE1ED-3157-4ADE-AB5F-DE789FE36584}"/>
     <dgm:cxn modelId="{D2DAEB1D-9A47-4AD7-810C-4092AA83AD4F}" type="presOf" srcId="{A692478B-DE15-4E52-8649-49FDADC5A153}" destId="{01020B24-D38A-4FCB-ACE1-19F52B26A143}" srcOrd="0" destOrd="0" presId="urn:microsoft.com/office/officeart/2005/8/layout/arrow2"/>
-    <dgm:cxn modelId="{6A0AEEE4-C723-4EF5-98E6-7C822E088C88}" type="presOf" srcId="{43ED3E26-0073-48AF-8BA0-7B4F87DA2DEA}" destId="{6F2FD126-6AD3-4A59-818C-17E74DFB1190}" srcOrd="0" destOrd="0" presId="urn:microsoft.com/office/officeart/2005/8/layout/arrow2"/>
-    <dgm:cxn modelId="{13FC9A3B-9D65-45B7-A59B-2564B8DC7392}" type="presOf" srcId="{3DF13F36-C9B6-4C7C-9B25-B39163C7AA69}" destId="{1FC2996B-7D09-4CB5-B425-EC4DA668979E}" srcOrd="0" destOrd="0" presId="urn:microsoft.com/office/officeart/2005/8/layout/arrow2"/>
-    <dgm:cxn modelId="{2052853D-F75E-4751-83CF-C6B3B2DDC978}" srcId="{A692478B-DE15-4E52-8649-49FDADC5A153}" destId="{3DF13F36-C9B6-4C7C-9B25-B39163C7AA69}" srcOrd="2" destOrd="0" parTransId="{FE80E687-BA52-4752-87C9-2E5500E861D1}" sibTransId="{2B3FE1ED-3157-4ADE-AB5F-DE789FE36584}"/>
-    <dgm:cxn modelId="{6B241842-A893-4A0F-94E6-E7EF3B13EF1B}" type="presOf" srcId="{1478108E-8D27-42F6-B64C-02B74FB3191F}" destId="{DBE6EF3C-CDF0-4E50-A80A-896AACCABDB7}" srcOrd="0" destOrd="0" presId="urn:microsoft.com/office/officeart/2005/8/layout/arrow2"/>
     <dgm:cxn modelId="{2DAAF620-0613-496C-8E27-1EE9C0E17212}" type="presParOf" srcId="{01020B24-D38A-4FCB-ACE1-19F52B26A143}" destId="{96FA7F6A-C677-4DC6-B24C-01857361AC10}" srcOrd="0" destOrd="0" presId="urn:microsoft.com/office/officeart/2005/8/layout/arrow2"/>
     <dgm:cxn modelId="{53D0BD7D-CF9C-4036-A65B-8155D60BA8F2}" type="presParOf" srcId="{01020B24-D38A-4FCB-ACE1-19F52B26A143}" destId="{0A109953-957B-4AFA-87A8-94AC7FB4B213}" srcOrd="1" destOrd="0" presId="urn:microsoft.com/office/officeart/2005/8/layout/arrow2"/>
     <dgm:cxn modelId="{5249E8F9-42AE-403B-9869-58A5BB3FC8F2}" type="presParOf" srcId="{0A109953-957B-4AFA-87A8-94AC7FB4B213}" destId="{13AD0065-45C1-4CCF-970E-B9BD4557F656}" srcOrd="0" destOrd="0" presId="urn:microsoft.com/office/officeart/2005/8/layout/arrow2"/>
@@ -6589,6 +6655,13 @@
         </dgm:presLayoutVars>
       </dgm:prSet>
       <dgm:spPr/>
+      <dgm:t>
+        <a:bodyPr/>
+        <a:lstStyle/>
+        <a:p>
+          <a:endParaRPr lang="zh-CN" altLang="en-US"/>
+        </a:p>
+      </dgm:t>
     </dgm:pt>
     <dgm:pt modelId="{BBE958DC-BADF-4517-8AC6-22C93EF8DF72}" type="pres">
       <dgm:prSet presAssocID="{FCC61CF7-D7CF-417E-9E0A-BF8CC481D8B0}" presName="node" presStyleLbl="node1" presStyleIdx="0" presStyleCnt="6">
@@ -6597,14 +6670,35 @@
         </dgm:presLayoutVars>
       </dgm:prSet>
       <dgm:spPr/>
+      <dgm:t>
+        <a:bodyPr/>
+        <a:lstStyle/>
+        <a:p>
+          <a:endParaRPr lang="zh-CN" altLang="en-US"/>
+        </a:p>
+      </dgm:t>
     </dgm:pt>
     <dgm:pt modelId="{BCEA4FF1-E9E5-4E2B-A2FE-005073E54033}" type="pres">
       <dgm:prSet presAssocID="{E0F67745-EF0A-455E-AEE1-B8DE616327A3}" presName="sibTrans" presStyleLbl="sibTrans2D1" presStyleIdx="0" presStyleCnt="6"/>
       <dgm:spPr/>
+      <dgm:t>
+        <a:bodyPr/>
+        <a:lstStyle/>
+        <a:p>
+          <a:endParaRPr lang="zh-CN" altLang="en-US"/>
+        </a:p>
+      </dgm:t>
     </dgm:pt>
     <dgm:pt modelId="{A85E6299-8A17-4F7D-BC37-A597F040A9F1}" type="pres">
       <dgm:prSet presAssocID="{E0F67745-EF0A-455E-AEE1-B8DE616327A3}" presName="connectorText" presStyleLbl="sibTrans2D1" presStyleIdx="0" presStyleCnt="6"/>
       <dgm:spPr/>
+      <dgm:t>
+        <a:bodyPr/>
+        <a:lstStyle/>
+        <a:p>
+          <a:endParaRPr lang="zh-CN" altLang="en-US"/>
+        </a:p>
+      </dgm:t>
     </dgm:pt>
     <dgm:pt modelId="{AA15E3FD-2064-4BED-96C0-AECAEA189808}" type="pres">
       <dgm:prSet presAssocID="{CA4BD34B-0610-4564-9D32-60925A61FD55}" presName="node" presStyleLbl="node1" presStyleIdx="1" presStyleCnt="6">
@@ -6613,14 +6707,35 @@
         </dgm:presLayoutVars>
       </dgm:prSet>
       <dgm:spPr/>
+      <dgm:t>
+        <a:bodyPr/>
+        <a:lstStyle/>
+        <a:p>
+          <a:endParaRPr lang="zh-CN" altLang="en-US"/>
+        </a:p>
+      </dgm:t>
     </dgm:pt>
     <dgm:pt modelId="{F0E3D163-59E5-4711-9F61-703F62AB3749}" type="pres">
       <dgm:prSet presAssocID="{0574B029-9694-483A-A42B-39BB25960325}" presName="sibTrans" presStyleLbl="sibTrans2D1" presStyleIdx="1" presStyleCnt="6"/>
       <dgm:spPr/>
+      <dgm:t>
+        <a:bodyPr/>
+        <a:lstStyle/>
+        <a:p>
+          <a:endParaRPr lang="zh-CN" altLang="en-US"/>
+        </a:p>
+      </dgm:t>
     </dgm:pt>
     <dgm:pt modelId="{C8FAE56B-9B48-47C7-9D91-95D734BE6DAF}" type="pres">
       <dgm:prSet presAssocID="{0574B029-9694-483A-A42B-39BB25960325}" presName="connectorText" presStyleLbl="sibTrans2D1" presStyleIdx="1" presStyleCnt="6"/>
       <dgm:spPr/>
+      <dgm:t>
+        <a:bodyPr/>
+        <a:lstStyle/>
+        <a:p>
+          <a:endParaRPr lang="zh-CN" altLang="en-US"/>
+        </a:p>
+      </dgm:t>
     </dgm:pt>
     <dgm:pt modelId="{27B50359-2C71-48AD-90D2-ADF1F03CFA7C}" type="pres">
       <dgm:prSet presAssocID="{B930D78E-E046-416B-94CC-0D613DF2CD5C}" presName="node" presStyleLbl="node1" presStyleIdx="2" presStyleCnt="6">
@@ -6629,14 +6744,35 @@
         </dgm:presLayoutVars>
       </dgm:prSet>
       <dgm:spPr/>
+      <dgm:t>
+        <a:bodyPr/>
+        <a:lstStyle/>
+        <a:p>
+          <a:endParaRPr lang="zh-CN" altLang="en-US"/>
+        </a:p>
+      </dgm:t>
     </dgm:pt>
     <dgm:pt modelId="{4428FDA3-427D-4BAA-ACE5-53F02FAE9CEF}" type="pres">
       <dgm:prSet presAssocID="{E29B2ECB-0D85-405D-A2E6-52E21FD82C28}" presName="sibTrans" presStyleLbl="sibTrans2D1" presStyleIdx="2" presStyleCnt="6"/>
       <dgm:spPr/>
+      <dgm:t>
+        <a:bodyPr/>
+        <a:lstStyle/>
+        <a:p>
+          <a:endParaRPr lang="zh-CN" altLang="en-US"/>
+        </a:p>
+      </dgm:t>
     </dgm:pt>
     <dgm:pt modelId="{00D5198B-64F3-4E06-8CF3-2F322FF582DA}" type="pres">
       <dgm:prSet presAssocID="{E29B2ECB-0D85-405D-A2E6-52E21FD82C28}" presName="connectorText" presStyleLbl="sibTrans2D1" presStyleIdx="2" presStyleCnt="6"/>
       <dgm:spPr/>
+      <dgm:t>
+        <a:bodyPr/>
+        <a:lstStyle/>
+        <a:p>
+          <a:endParaRPr lang="zh-CN" altLang="en-US"/>
+        </a:p>
+      </dgm:t>
     </dgm:pt>
     <dgm:pt modelId="{A46B5934-9160-4F57-A817-4692AC0848C9}" type="pres">
       <dgm:prSet presAssocID="{54A331DA-E7BE-417E-BD70-9DD70915E2F4}" presName="node" presStyleLbl="node1" presStyleIdx="3" presStyleCnt="6">
@@ -6656,10 +6792,24 @@
     <dgm:pt modelId="{3AB7E1B2-DA14-4D0F-A693-7465680DF0FF}" type="pres">
       <dgm:prSet presAssocID="{063B0568-C5F8-4DA7-883A-754D40D39F6C}" presName="sibTrans" presStyleLbl="sibTrans2D1" presStyleIdx="3" presStyleCnt="6"/>
       <dgm:spPr/>
+      <dgm:t>
+        <a:bodyPr/>
+        <a:lstStyle/>
+        <a:p>
+          <a:endParaRPr lang="zh-CN" altLang="en-US"/>
+        </a:p>
+      </dgm:t>
     </dgm:pt>
     <dgm:pt modelId="{A9C5436E-E2F2-4183-B2DA-C8907EC8B309}" type="pres">
       <dgm:prSet presAssocID="{063B0568-C5F8-4DA7-883A-754D40D39F6C}" presName="connectorText" presStyleLbl="sibTrans2D1" presStyleIdx="3" presStyleCnt="6"/>
       <dgm:spPr/>
+      <dgm:t>
+        <a:bodyPr/>
+        <a:lstStyle/>
+        <a:p>
+          <a:endParaRPr lang="zh-CN" altLang="en-US"/>
+        </a:p>
+      </dgm:t>
     </dgm:pt>
     <dgm:pt modelId="{F2BEC5D0-921F-462A-A918-FB588A11E73B}" type="pres">
       <dgm:prSet presAssocID="{968CC453-DC63-4526-BE06-2425C06D40B4}" presName="node" presStyleLbl="node1" presStyleIdx="4" presStyleCnt="6">
@@ -6668,14 +6818,35 @@
         </dgm:presLayoutVars>
       </dgm:prSet>
       <dgm:spPr/>
+      <dgm:t>
+        <a:bodyPr/>
+        <a:lstStyle/>
+        <a:p>
+          <a:endParaRPr lang="zh-CN" altLang="en-US"/>
+        </a:p>
+      </dgm:t>
     </dgm:pt>
     <dgm:pt modelId="{3512ED61-E819-4558-8CB0-85AF131E567C}" type="pres">
       <dgm:prSet presAssocID="{DDAD1C8B-7724-4D8B-8D57-99E3BAE139A2}" presName="sibTrans" presStyleLbl="sibTrans2D1" presStyleIdx="4" presStyleCnt="6"/>
       <dgm:spPr/>
+      <dgm:t>
+        <a:bodyPr/>
+        <a:lstStyle/>
+        <a:p>
+          <a:endParaRPr lang="zh-CN" altLang="en-US"/>
+        </a:p>
+      </dgm:t>
     </dgm:pt>
     <dgm:pt modelId="{426BBC3A-2C20-4BFE-A64B-DB470C1150AB}" type="pres">
       <dgm:prSet presAssocID="{DDAD1C8B-7724-4D8B-8D57-99E3BAE139A2}" presName="connectorText" presStyleLbl="sibTrans2D1" presStyleIdx="4" presStyleCnt="6"/>
       <dgm:spPr/>
+      <dgm:t>
+        <a:bodyPr/>
+        <a:lstStyle/>
+        <a:p>
+          <a:endParaRPr lang="zh-CN" altLang="en-US"/>
+        </a:p>
+      </dgm:t>
     </dgm:pt>
     <dgm:pt modelId="{9089E7B4-7B60-42D9-B22B-63CA2D21FEDB}" type="pres">
       <dgm:prSet presAssocID="{FACE7AE7-E6E2-4C8F-AEF2-029035D61582}" presName="node" presStyleLbl="node1" presStyleIdx="5" presStyleCnt="6">
@@ -6695,10 +6866,24 @@
     <dgm:pt modelId="{5D69AA93-60CE-40CB-B128-BE3BD7DCF9F9}" type="pres">
       <dgm:prSet presAssocID="{1C887F24-7A4E-46BD-B307-E9304BF9F686}" presName="sibTrans" presStyleLbl="sibTrans2D1" presStyleIdx="5" presStyleCnt="6"/>
       <dgm:spPr/>
+      <dgm:t>
+        <a:bodyPr/>
+        <a:lstStyle/>
+        <a:p>
+          <a:endParaRPr lang="zh-CN" altLang="en-US"/>
+        </a:p>
+      </dgm:t>
     </dgm:pt>
     <dgm:pt modelId="{49709B78-A6A4-468A-95C4-65FC4F0D7EF2}" type="pres">
       <dgm:prSet presAssocID="{1C887F24-7A4E-46BD-B307-E9304BF9F686}" presName="connectorText" presStyleLbl="sibTrans2D1" presStyleIdx="5" presStyleCnt="6"/>
       <dgm:spPr/>
+      <dgm:t>
+        <a:bodyPr/>
+        <a:lstStyle/>
+        <a:p>
+          <a:endParaRPr lang="zh-CN" altLang="en-US"/>
+        </a:p>
+      </dgm:t>
     </dgm:pt>
   </dgm:ptLst>
   <dgm:cxnLst>
@@ -6711,8 +6896,8 @@
     <dgm:cxn modelId="{D4DC3F5C-068B-439B-8FA7-6552F68DCF45}" type="presOf" srcId="{063B0568-C5F8-4DA7-883A-754D40D39F6C}" destId="{3AB7E1B2-DA14-4D0F-A693-7465680DF0FF}" srcOrd="0" destOrd="0" presId="urn:microsoft.com/office/officeart/2005/8/layout/cycle2"/>
     <dgm:cxn modelId="{A50AD34F-2397-4E0A-81AE-A8AEF58B408D}" type="presOf" srcId="{DDAD1C8B-7724-4D8B-8D57-99E3BAE139A2}" destId="{426BBC3A-2C20-4BFE-A64B-DB470C1150AB}" srcOrd="1" destOrd="0" presId="urn:microsoft.com/office/officeart/2005/8/layout/cycle2"/>
     <dgm:cxn modelId="{16800EB2-152C-486A-B613-2358E389834D}" type="presOf" srcId="{FCC61CF7-D7CF-417E-9E0A-BF8CC481D8B0}" destId="{BBE958DC-BADF-4517-8AC6-22C93EF8DF72}" srcOrd="0" destOrd="0" presId="urn:microsoft.com/office/officeart/2005/8/layout/cycle2"/>
+    <dgm:cxn modelId="{BC08AEA3-67AD-4DB3-A6C0-70EDC1BD287C}" type="presOf" srcId="{968CC453-DC63-4526-BE06-2425C06D40B4}" destId="{F2BEC5D0-921F-462A-A918-FB588A11E73B}" srcOrd="0" destOrd="0" presId="urn:microsoft.com/office/officeart/2005/8/layout/cycle2"/>
     <dgm:cxn modelId="{5B73FE6C-52BA-4024-B1F1-55B69ACF32BC}" type="presOf" srcId="{E0F67745-EF0A-455E-AEE1-B8DE616327A3}" destId="{A85E6299-8A17-4F7D-BC37-A597F040A9F1}" srcOrd="1" destOrd="0" presId="urn:microsoft.com/office/officeart/2005/8/layout/cycle2"/>
-    <dgm:cxn modelId="{BC08AEA3-67AD-4DB3-A6C0-70EDC1BD287C}" type="presOf" srcId="{968CC453-DC63-4526-BE06-2425C06D40B4}" destId="{F2BEC5D0-921F-462A-A918-FB588A11E73B}" srcOrd="0" destOrd="0" presId="urn:microsoft.com/office/officeart/2005/8/layout/cycle2"/>
     <dgm:cxn modelId="{E940B3B5-27AA-437F-ABB6-EEC74A2C25BF}" type="presOf" srcId="{B930D78E-E046-416B-94CC-0D613DF2CD5C}" destId="{27B50359-2C71-48AD-90D2-ADF1F03CFA7C}" srcOrd="0" destOrd="0" presId="urn:microsoft.com/office/officeart/2005/8/layout/cycle2"/>
     <dgm:cxn modelId="{545F53DF-8BA0-44AC-ABF5-D6F01B771499}" type="presOf" srcId="{E0F67745-EF0A-455E-AEE1-B8DE616327A3}" destId="{BCEA4FF1-E9E5-4E2B-A2FE-005073E54033}" srcOrd="0" destOrd="0" presId="urn:microsoft.com/office/officeart/2005/8/layout/cycle2"/>
     <dgm:cxn modelId="{104C1B74-977A-4F5B-8441-D71B880348D9}" srcId="{6F5F7300-90B3-4CDC-8217-13280DD36F58}" destId="{FCC61CF7-D7CF-417E-9E0A-BF8CC481D8B0}" srcOrd="0" destOrd="0" parTransId="{8018197F-1F1B-43EA-9A94-D4180516BDEC}" sibTransId="{E0F67745-EF0A-455E-AEE1-B8DE616327A3}"/>
@@ -7743,403 +7928,6 @@
       <dsp:cNvGrpSpPr/>
     </dsp:nvGrpSpPr>
     <dsp:grpSpPr/>
-    <dsp:sp modelId="{96FA7F6A-C677-4DC6-B24C-01857361AC10}">
-      <dsp:nvSpPr>
-        <dsp:cNvPr id="0" name=""/>
-        <dsp:cNvSpPr/>
-      </dsp:nvSpPr>
-      <dsp:spPr>
-        <a:xfrm>
-          <a:off x="73152" y="0"/>
-          <a:ext cx="7664078" cy="4790049"/>
-        </a:xfrm>
-        <a:prstGeom prst="swooshArrow">
-          <a:avLst>
-            <a:gd name="adj1" fmla="val 25000"/>
-            <a:gd name="adj2" fmla="val 25000"/>
-          </a:avLst>
-        </a:prstGeom>
-        <a:solidFill>
-          <a:schemeClr val="dk2">
-            <a:tint val="40000"/>
-            <a:hueOff val="0"/>
-            <a:satOff val="0"/>
-            <a:lumOff val="0"/>
-            <a:alphaOff val="0"/>
-          </a:schemeClr>
-        </a:solidFill>
-        <a:ln>
-          <a:noFill/>
-        </a:ln>
-        <a:effectLst/>
-      </dsp:spPr>
-      <dsp:style>
-        <a:lnRef idx="0">
-          <a:scrgbClr r="0" g="0" b="0"/>
-        </a:lnRef>
-        <a:fillRef idx="1">
-          <a:scrgbClr r="0" g="0" b="0"/>
-        </a:fillRef>
-        <a:effectRef idx="0">
-          <a:scrgbClr r="0" g="0" b="0"/>
-        </a:effectRef>
-        <a:fontRef idx="minor"/>
-      </dsp:style>
-    </dsp:sp>
-    <dsp:sp modelId="{13AD0065-45C1-4CCF-970E-B9BD4557F656}">
-      <dsp:nvSpPr>
-        <dsp:cNvPr id="0" name=""/>
-        <dsp:cNvSpPr/>
-      </dsp:nvSpPr>
-      <dsp:spPr>
-        <a:xfrm>
-          <a:off x="1009914" y="3306091"/>
-          <a:ext cx="199266" cy="199266"/>
-        </a:xfrm>
-        <a:prstGeom prst="ellipse">
-          <a:avLst/>
-        </a:prstGeom>
-        <a:solidFill>
-          <a:schemeClr val="dk2">
-            <a:hueOff val="0"/>
-            <a:satOff val="0"/>
-            <a:lumOff val="0"/>
-            <a:alphaOff val="0"/>
-          </a:schemeClr>
-        </a:solidFill>
-        <a:ln w="12700" cap="flat" cmpd="sng" algn="ctr">
-          <a:solidFill>
-            <a:schemeClr val="lt2">
-              <a:hueOff val="0"/>
-              <a:satOff val="0"/>
-              <a:lumOff val="0"/>
-              <a:alphaOff val="0"/>
-            </a:schemeClr>
-          </a:solidFill>
-          <a:prstDash val="solid"/>
-          <a:miter lim="800000"/>
-        </a:ln>
-        <a:effectLst/>
-      </dsp:spPr>
-      <dsp:style>
-        <a:lnRef idx="2">
-          <a:scrgbClr r="0" g="0" b="0"/>
-        </a:lnRef>
-        <a:fillRef idx="1">
-          <a:scrgbClr r="0" g="0" b="0"/>
-        </a:fillRef>
-        <a:effectRef idx="0">
-          <a:scrgbClr r="0" g="0" b="0"/>
-        </a:effectRef>
-        <a:fontRef idx="minor">
-          <a:schemeClr val="lt1"/>
-        </a:fontRef>
-      </dsp:style>
-    </dsp:sp>
-    <dsp:sp modelId="{DBE6EF3C-CDF0-4E50-A80A-896AACCABDB7}">
-      <dsp:nvSpPr>
-        <dsp:cNvPr id="0" name=""/>
-        <dsp:cNvSpPr/>
-      </dsp:nvSpPr>
-      <dsp:spPr>
-        <a:xfrm>
-          <a:off x="1109547" y="3405724"/>
-          <a:ext cx="1785730" cy="1384324"/>
-        </a:xfrm>
-        <a:prstGeom prst="rect">
-          <a:avLst/>
-        </a:prstGeom>
-        <a:noFill/>
-        <a:ln>
-          <a:noFill/>
-        </a:ln>
-        <a:effectLst/>
-      </dsp:spPr>
-      <dsp:style>
-        <a:lnRef idx="0">
-          <a:scrgbClr r="0" g="0" b="0"/>
-        </a:lnRef>
-        <a:fillRef idx="0">
-          <a:scrgbClr r="0" g="0" b="0"/>
-        </a:fillRef>
-        <a:effectRef idx="0">
-          <a:scrgbClr r="0" g="0" b="0"/>
-        </a:effectRef>
-        <a:fontRef idx="minor"/>
-      </dsp:style>
-      <dsp:txBody>
-        <a:bodyPr spcFirstLastPara="0" vert="horz" wrap="square" lIns="105587" tIns="0" rIns="0" bIns="0" numCol="1" spcCol="1270" anchor="t" anchorCtr="0">
-          <a:noAutofit/>
-        </a:bodyPr>
-        <a:lstStyle/>
-        <a:p>
-          <a:pPr lvl="0" algn="l" defTabSz="2044700">
-            <a:lnSpc>
-              <a:spcPct val="90000"/>
-            </a:lnSpc>
-            <a:spcBef>
-              <a:spcPct val="0"/>
-            </a:spcBef>
-            <a:spcAft>
-              <a:spcPct val="35000"/>
-            </a:spcAft>
-          </a:pPr>
-          <a:r>
-            <a:rPr lang="zh-CN" altLang="en-US" sz="4600" kern="1200" dirty="0" smtClean="0">
-              <a:solidFill>
-                <a:schemeClr val="bg1"/>
-              </a:solidFill>
-            </a:rPr>
-            <a:t>操作简便</a:t>
-          </a:r>
-          <a:endParaRPr lang="zh-CN" altLang="en-US" sz="4600" kern="1200" dirty="0">
-            <a:solidFill>
-              <a:schemeClr val="bg1"/>
-            </a:solidFill>
-          </a:endParaRPr>
-        </a:p>
-      </dsp:txBody>
-      <dsp:txXfrm>
-        <a:off x="1109547" y="3405724"/>
-        <a:ext cx="1785730" cy="1384324"/>
-      </dsp:txXfrm>
-    </dsp:sp>
-    <dsp:sp modelId="{7935558D-2AE6-427E-9248-ADB56F344504}">
-      <dsp:nvSpPr>
-        <dsp:cNvPr id="0" name=""/>
-        <dsp:cNvSpPr/>
-      </dsp:nvSpPr>
-      <dsp:spPr>
-        <a:xfrm>
-          <a:off x="2768820" y="2004156"/>
-          <a:ext cx="360211" cy="360211"/>
-        </a:xfrm>
-        <a:prstGeom prst="ellipse">
-          <a:avLst/>
-        </a:prstGeom>
-        <a:solidFill>
-          <a:schemeClr val="dk2">
-            <a:hueOff val="0"/>
-            <a:satOff val="0"/>
-            <a:lumOff val="0"/>
-            <a:alphaOff val="0"/>
-          </a:schemeClr>
-        </a:solidFill>
-        <a:ln w="12700" cap="flat" cmpd="sng" algn="ctr">
-          <a:solidFill>
-            <a:schemeClr val="lt2">
-              <a:hueOff val="0"/>
-              <a:satOff val="0"/>
-              <a:lumOff val="0"/>
-              <a:alphaOff val="0"/>
-            </a:schemeClr>
-          </a:solidFill>
-          <a:prstDash val="solid"/>
-          <a:miter lim="800000"/>
-        </a:ln>
-        <a:effectLst/>
-      </dsp:spPr>
-      <dsp:style>
-        <a:lnRef idx="2">
-          <a:scrgbClr r="0" g="0" b="0"/>
-        </a:lnRef>
-        <a:fillRef idx="1">
-          <a:scrgbClr r="0" g="0" b="0"/>
-        </a:fillRef>
-        <a:effectRef idx="0">
-          <a:scrgbClr r="0" g="0" b="0"/>
-        </a:effectRef>
-        <a:fontRef idx="minor">
-          <a:schemeClr val="lt1"/>
-        </a:fontRef>
-      </dsp:style>
-    </dsp:sp>
-    <dsp:sp modelId="{6F2FD126-6AD3-4A59-818C-17E74DFB1190}">
-      <dsp:nvSpPr>
-        <dsp:cNvPr id="0" name=""/>
-        <dsp:cNvSpPr/>
-      </dsp:nvSpPr>
-      <dsp:spPr>
-        <a:xfrm>
-          <a:off x="2948926" y="2184262"/>
-          <a:ext cx="1839378" cy="2605786"/>
-        </a:xfrm>
-        <a:prstGeom prst="rect">
-          <a:avLst/>
-        </a:prstGeom>
-        <a:noFill/>
-        <a:ln>
-          <a:noFill/>
-        </a:ln>
-        <a:effectLst/>
-      </dsp:spPr>
-      <dsp:style>
-        <a:lnRef idx="0">
-          <a:scrgbClr r="0" g="0" b="0"/>
-        </a:lnRef>
-        <a:fillRef idx="0">
-          <a:scrgbClr r="0" g="0" b="0"/>
-        </a:fillRef>
-        <a:effectRef idx="0">
-          <a:scrgbClr r="0" g="0" b="0"/>
-        </a:effectRef>
-        <a:fontRef idx="minor"/>
-      </dsp:style>
-      <dsp:txBody>
-        <a:bodyPr spcFirstLastPara="0" vert="horz" wrap="square" lIns="190869" tIns="0" rIns="0" bIns="0" numCol="1" spcCol="1270" anchor="t" anchorCtr="0">
-          <a:noAutofit/>
-        </a:bodyPr>
-        <a:lstStyle/>
-        <a:p>
-          <a:pPr lvl="0" algn="l" defTabSz="2044700">
-            <a:lnSpc>
-              <a:spcPct val="90000"/>
-            </a:lnSpc>
-            <a:spcBef>
-              <a:spcPct val="0"/>
-            </a:spcBef>
-            <a:spcAft>
-              <a:spcPct val="35000"/>
-            </a:spcAft>
-          </a:pPr>
-          <a:r>
-            <a:rPr lang="zh-CN" altLang="en-US" sz="4600" kern="1200" dirty="0" smtClean="0">
-              <a:solidFill>
-                <a:schemeClr val="bg1"/>
-              </a:solidFill>
-            </a:rPr>
-            <a:t>风险低</a:t>
-          </a:r>
-          <a:endParaRPr lang="zh-CN" altLang="en-US" sz="4600" kern="1200" dirty="0">
-            <a:solidFill>
-              <a:schemeClr val="bg1"/>
-            </a:solidFill>
-          </a:endParaRPr>
-        </a:p>
-      </dsp:txBody>
-      <dsp:txXfrm>
-        <a:off x="2948926" y="2184262"/>
-        <a:ext cx="1839378" cy="2605786"/>
-      </dsp:txXfrm>
-    </dsp:sp>
-    <dsp:sp modelId="{A68283C3-763F-43C1-A44F-46197F15E9E8}">
-      <dsp:nvSpPr>
-        <dsp:cNvPr id="0" name=""/>
-        <dsp:cNvSpPr/>
-      </dsp:nvSpPr>
-      <dsp:spPr>
-        <a:xfrm>
-          <a:off x="4884105" y="1211882"/>
-          <a:ext cx="498165" cy="498165"/>
-        </a:xfrm>
-        <a:prstGeom prst="ellipse">
-          <a:avLst/>
-        </a:prstGeom>
-        <a:solidFill>
-          <a:schemeClr val="dk2">
-            <a:hueOff val="0"/>
-            <a:satOff val="0"/>
-            <a:lumOff val="0"/>
-            <a:alphaOff val="0"/>
-          </a:schemeClr>
-        </a:solidFill>
-        <a:ln w="12700" cap="flat" cmpd="sng" algn="ctr">
-          <a:solidFill>
-            <a:schemeClr val="lt2">
-              <a:hueOff val="0"/>
-              <a:satOff val="0"/>
-              <a:lumOff val="0"/>
-              <a:alphaOff val="0"/>
-            </a:schemeClr>
-          </a:solidFill>
-          <a:prstDash val="solid"/>
-          <a:miter lim="800000"/>
-        </a:ln>
-        <a:effectLst/>
-      </dsp:spPr>
-      <dsp:style>
-        <a:lnRef idx="2">
-          <a:scrgbClr r="0" g="0" b="0"/>
-        </a:lnRef>
-        <a:fillRef idx="1">
-          <a:scrgbClr r="0" g="0" b="0"/>
-        </a:fillRef>
-        <a:effectRef idx="0">
-          <a:scrgbClr r="0" g="0" b="0"/>
-        </a:effectRef>
-        <a:fontRef idx="minor">
-          <a:schemeClr val="lt1"/>
-        </a:fontRef>
-      </dsp:style>
-    </dsp:sp>
-    <dsp:sp modelId="{1FC2996B-7D09-4CB5-B425-EC4DA668979E}">
-      <dsp:nvSpPr>
-        <dsp:cNvPr id="0" name=""/>
-        <dsp:cNvSpPr/>
-      </dsp:nvSpPr>
-      <dsp:spPr>
-        <a:xfrm>
-          <a:off x="5133188" y="1460964"/>
-          <a:ext cx="1839378" cy="3329084"/>
-        </a:xfrm>
-        <a:prstGeom prst="rect">
-          <a:avLst/>
-        </a:prstGeom>
-        <a:noFill/>
-        <a:ln>
-          <a:noFill/>
-        </a:ln>
-        <a:effectLst/>
-      </dsp:spPr>
-      <dsp:style>
-        <a:lnRef idx="0">
-          <a:scrgbClr r="0" g="0" b="0"/>
-        </a:lnRef>
-        <a:fillRef idx="0">
-          <a:scrgbClr r="0" g="0" b="0"/>
-        </a:fillRef>
-        <a:effectRef idx="0">
-          <a:scrgbClr r="0" g="0" b="0"/>
-        </a:effectRef>
-        <a:fontRef idx="minor"/>
-      </dsp:style>
-      <dsp:txBody>
-        <a:bodyPr spcFirstLastPara="0" vert="horz" wrap="square" lIns="263967" tIns="0" rIns="0" bIns="0" numCol="1" spcCol="1270" anchor="t" anchorCtr="0">
-          <a:noAutofit/>
-        </a:bodyPr>
-        <a:lstStyle/>
-        <a:p>
-          <a:pPr lvl="0" algn="l" defTabSz="2044700">
-            <a:lnSpc>
-              <a:spcPct val="90000"/>
-            </a:lnSpc>
-            <a:spcBef>
-              <a:spcPct val="0"/>
-            </a:spcBef>
-            <a:spcAft>
-              <a:spcPct val="35000"/>
-            </a:spcAft>
-          </a:pPr>
-          <a:r>
-            <a:rPr lang="zh-CN" altLang="en-US" sz="4600" kern="1200" dirty="0" smtClean="0">
-              <a:solidFill>
-                <a:schemeClr val="bg1"/>
-              </a:solidFill>
-            </a:rPr>
-            <a:t>利益高</a:t>
-          </a:r>
-          <a:endParaRPr lang="zh-CN" altLang="en-US" sz="4600" kern="1200" dirty="0">
-            <a:solidFill>
-              <a:schemeClr val="bg1"/>
-            </a:solidFill>
-          </a:endParaRPr>
-        </a:p>
-      </dsp:txBody>
-      <dsp:txXfrm>
-        <a:off x="5133188" y="1460964"/>
-        <a:ext cx="1839378" cy="3329084"/>
-      </dsp:txXfrm>
-    </dsp:sp>
   </dsp:spTree>
 </dsp:drawing>
 </file>
@@ -8152,821 +7940,6 @@
       <dsp:cNvGrpSpPr/>
     </dsp:nvGrpSpPr>
     <dsp:grpSpPr/>
-    <dsp:sp modelId="{BBE958DC-BADF-4517-8AC6-22C93EF8DF72}">
-      <dsp:nvSpPr>
-        <dsp:cNvPr id="0" name=""/>
-        <dsp:cNvSpPr/>
-      </dsp:nvSpPr>
-      <dsp:spPr>
-        <a:xfrm>
-          <a:off x="2879898" y="1606"/>
-          <a:ext cx="1108362" cy="1108362"/>
-        </a:xfrm>
-        <a:prstGeom prst="ellipse">
-          <a:avLst/>
-        </a:prstGeom>
-        <a:solidFill>
-          <a:srgbClr val="71CAE0"/>
-        </a:solidFill>
-        <a:ln w="12700" cap="flat" cmpd="sng" algn="ctr">
-          <a:solidFill>
-            <a:schemeClr val="lt1">
-              <a:hueOff val="0"/>
-              <a:satOff val="0"/>
-              <a:lumOff val="0"/>
-              <a:alphaOff val="0"/>
-            </a:schemeClr>
-          </a:solidFill>
-          <a:prstDash val="solid"/>
-          <a:miter lim="800000"/>
-        </a:ln>
-        <a:effectLst/>
-      </dsp:spPr>
-      <dsp:style>
-        <a:lnRef idx="2">
-          <a:scrgbClr r="0" g="0" b="0"/>
-        </a:lnRef>
-        <a:fillRef idx="1">
-          <a:scrgbClr r="0" g="0" b="0"/>
-        </a:fillRef>
-        <a:effectRef idx="0">
-          <a:scrgbClr r="0" g="0" b="0"/>
-        </a:effectRef>
-        <a:fontRef idx="minor">
-          <a:schemeClr val="lt1"/>
-        </a:fontRef>
-      </dsp:style>
-      <dsp:txBody>
-        <a:bodyPr spcFirstLastPara="0" vert="horz" wrap="square" lIns="30480" tIns="30480" rIns="30480" bIns="30480" numCol="1" spcCol="1270" anchor="ctr" anchorCtr="0">
-          <a:noAutofit/>
-        </a:bodyPr>
-        <a:lstStyle/>
-        <a:p>
-          <a:pPr lvl="0" algn="ctr" defTabSz="1066800">
-            <a:lnSpc>
-              <a:spcPct val="90000"/>
-            </a:lnSpc>
-            <a:spcBef>
-              <a:spcPct val="0"/>
-            </a:spcBef>
-            <a:spcAft>
-              <a:spcPct val="35000"/>
-            </a:spcAft>
-          </a:pPr>
-          <a:r>
-            <a:rPr lang="zh-CN" altLang="en-US" sz="2400" kern="1200" dirty="0" smtClean="0"/>
-            <a:t>张红娟</a:t>
-          </a:r>
-          <a:endParaRPr lang="zh-CN" altLang="en-US" sz="2400" kern="1200" dirty="0"/>
-        </a:p>
-      </dsp:txBody>
-      <dsp:txXfrm>
-        <a:off x="3042214" y="163922"/>
-        <a:ext cx="783730" cy="783730"/>
-      </dsp:txXfrm>
-    </dsp:sp>
-    <dsp:sp modelId="{BCEA4FF1-E9E5-4E2B-A2FE-005073E54033}">
-      <dsp:nvSpPr>
-        <dsp:cNvPr id="0" name=""/>
-        <dsp:cNvSpPr/>
-      </dsp:nvSpPr>
-      <dsp:spPr>
-        <a:xfrm rot="1800000">
-          <a:off x="4000053" y="780432"/>
-          <a:ext cx="294154" cy="374072"/>
-        </a:xfrm>
-        <a:prstGeom prst="rightArrow">
-          <a:avLst>
-            <a:gd name="adj1" fmla="val 60000"/>
-            <a:gd name="adj2" fmla="val 50000"/>
-          </a:avLst>
-        </a:prstGeom>
-        <a:solidFill>
-          <a:srgbClr val="71CAE0"/>
-        </a:solidFill>
-        <a:ln>
-          <a:noFill/>
-        </a:ln>
-        <a:effectLst/>
-      </dsp:spPr>
-      <dsp:style>
-        <a:lnRef idx="0">
-          <a:scrgbClr r="0" g="0" b="0"/>
-        </a:lnRef>
-        <a:fillRef idx="1">
-          <a:scrgbClr r="0" g="0" b="0"/>
-        </a:fillRef>
-        <a:effectRef idx="0">
-          <a:scrgbClr r="0" g="0" b="0"/>
-        </a:effectRef>
-        <a:fontRef idx="minor">
-          <a:schemeClr val="lt1"/>
-        </a:fontRef>
-      </dsp:style>
-      <dsp:txBody>
-        <a:bodyPr spcFirstLastPara="0" vert="horz" wrap="square" lIns="0" tIns="0" rIns="0" bIns="0" numCol="1" spcCol="1270" anchor="ctr" anchorCtr="0">
-          <a:noAutofit/>
-        </a:bodyPr>
-        <a:lstStyle/>
-        <a:p>
-          <a:pPr lvl="0" algn="ctr" defTabSz="711200">
-            <a:lnSpc>
-              <a:spcPct val="90000"/>
-            </a:lnSpc>
-            <a:spcBef>
-              <a:spcPct val="0"/>
-            </a:spcBef>
-            <a:spcAft>
-              <a:spcPct val="35000"/>
-            </a:spcAft>
-          </a:pPr>
-          <a:endParaRPr lang="zh-CN" altLang="en-US" sz="1600" kern="1200"/>
-        </a:p>
-      </dsp:txBody>
-      <dsp:txXfrm>
-        <a:off x="4005964" y="833185"/>
-        <a:ext cx="205908" cy="224444"/>
-      </dsp:txXfrm>
-    </dsp:sp>
-    <dsp:sp modelId="{AA15E3FD-2064-4BED-96C0-AECAEA189808}">
-      <dsp:nvSpPr>
-        <dsp:cNvPr id="0" name=""/>
-        <dsp:cNvSpPr/>
-      </dsp:nvSpPr>
-      <dsp:spPr>
-        <a:xfrm>
-          <a:off x="4320420" y="833292"/>
-          <a:ext cx="1108362" cy="1108362"/>
-        </a:xfrm>
-        <a:prstGeom prst="ellipse">
-          <a:avLst/>
-        </a:prstGeom>
-        <a:solidFill>
-          <a:srgbClr val="71CAE0"/>
-        </a:solidFill>
-        <a:ln w="12700" cap="flat" cmpd="sng" algn="ctr">
-          <a:solidFill>
-            <a:schemeClr val="lt1">
-              <a:hueOff val="0"/>
-              <a:satOff val="0"/>
-              <a:lumOff val="0"/>
-              <a:alphaOff val="0"/>
-            </a:schemeClr>
-          </a:solidFill>
-          <a:prstDash val="solid"/>
-          <a:miter lim="800000"/>
-        </a:ln>
-        <a:effectLst/>
-      </dsp:spPr>
-      <dsp:style>
-        <a:lnRef idx="2">
-          <a:scrgbClr r="0" g="0" b="0"/>
-        </a:lnRef>
-        <a:fillRef idx="1">
-          <a:scrgbClr r="0" g="0" b="0"/>
-        </a:fillRef>
-        <a:effectRef idx="0">
-          <a:scrgbClr r="0" g="0" b="0"/>
-        </a:effectRef>
-        <a:fontRef idx="minor">
-          <a:schemeClr val="lt1"/>
-        </a:fontRef>
-      </dsp:style>
-      <dsp:txBody>
-        <a:bodyPr spcFirstLastPara="0" vert="horz" wrap="square" lIns="30480" tIns="30480" rIns="30480" bIns="30480" numCol="1" spcCol="1270" anchor="ctr" anchorCtr="0">
-          <a:noAutofit/>
-        </a:bodyPr>
-        <a:lstStyle/>
-        <a:p>
-          <a:pPr lvl="0" algn="ctr" defTabSz="1066800">
-            <a:lnSpc>
-              <a:spcPct val="90000"/>
-            </a:lnSpc>
-            <a:spcBef>
-              <a:spcPct val="0"/>
-            </a:spcBef>
-            <a:spcAft>
-              <a:spcPct val="35000"/>
-            </a:spcAft>
-          </a:pPr>
-          <a:r>
-            <a:rPr lang="zh-CN" altLang="en-US" sz="2400" kern="1200" dirty="0" smtClean="0"/>
-            <a:t>张鑫</a:t>
-          </a:r>
-          <a:endParaRPr lang="zh-CN" altLang="en-US" sz="2400" kern="1200" dirty="0"/>
-        </a:p>
-      </dsp:txBody>
-      <dsp:txXfrm>
-        <a:off x="4482736" y="995608"/>
-        <a:ext cx="783730" cy="783730"/>
-      </dsp:txXfrm>
-    </dsp:sp>
-    <dsp:sp modelId="{F0E3D163-59E5-4711-9F61-703F62AB3749}">
-      <dsp:nvSpPr>
-        <dsp:cNvPr id="0" name=""/>
-        <dsp:cNvSpPr/>
-      </dsp:nvSpPr>
-      <dsp:spPr>
-        <a:xfrm rot="5400000">
-          <a:off x="4727524" y="2023798"/>
-          <a:ext cx="294154" cy="374072"/>
-        </a:xfrm>
-        <a:prstGeom prst="rightArrow">
-          <a:avLst>
-            <a:gd name="adj1" fmla="val 60000"/>
-            <a:gd name="adj2" fmla="val 50000"/>
-          </a:avLst>
-        </a:prstGeom>
-        <a:solidFill>
-          <a:srgbClr val="71CAE0"/>
-        </a:solidFill>
-        <a:ln>
-          <a:noFill/>
-        </a:ln>
-        <a:effectLst/>
-      </dsp:spPr>
-      <dsp:style>
-        <a:lnRef idx="0">
-          <a:scrgbClr r="0" g="0" b="0"/>
-        </a:lnRef>
-        <a:fillRef idx="1">
-          <a:scrgbClr r="0" g="0" b="0"/>
-        </a:fillRef>
-        <a:effectRef idx="0">
-          <a:scrgbClr r="0" g="0" b="0"/>
-        </a:effectRef>
-        <a:fontRef idx="minor">
-          <a:schemeClr val="lt1"/>
-        </a:fontRef>
-      </dsp:style>
-      <dsp:txBody>
-        <a:bodyPr spcFirstLastPara="0" vert="horz" wrap="square" lIns="0" tIns="0" rIns="0" bIns="0" numCol="1" spcCol="1270" anchor="ctr" anchorCtr="0">
-          <a:noAutofit/>
-        </a:bodyPr>
-        <a:lstStyle/>
-        <a:p>
-          <a:pPr lvl="0" algn="ctr" defTabSz="711200">
-            <a:lnSpc>
-              <a:spcPct val="90000"/>
-            </a:lnSpc>
-            <a:spcBef>
-              <a:spcPct val="0"/>
-            </a:spcBef>
-            <a:spcAft>
-              <a:spcPct val="35000"/>
-            </a:spcAft>
-          </a:pPr>
-          <a:endParaRPr lang="zh-CN" altLang="en-US" sz="1600" kern="1200"/>
-        </a:p>
-      </dsp:txBody>
-      <dsp:txXfrm>
-        <a:off x="4771647" y="2054489"/>
-        <a:ext cx="205908" cy="224444"/>
-      </dsp:txXfrm>
-    </dsp:sp>
-    <dsp:sp modelId="{27B50359-2C71-48AD-90D2-ADF1F03CFA7C}">
-      <dsp:nvSpPr>
-        <dsp:cNvPr id="0" name=""/>
-        <dsp:cNvSpPr/>
-      </dsp:nvSpPr>
-      <dsp:spPr>
-        <a:xfrm>
-          <a:off x="4320420" y="2496664"/>
-          <a:ext cx="1108362" cy="1108362"/>
-        </a:xfrm>
-        <a:prstGeom prst="ellipse">
-          <a:avLst/>
-        </a:prstGeom>
-        <a:solidFill>
-          <a:srgbClr val="71CAE0"/>
-        </a:solidFill>
-        <a:ln w="12700" cap="flat" cmpd="sng" algn="ctr">
-          <a:solidFill>
-            <a:schemeClr val="lt1">
-              <a:hueOff val="0"/>
-              <a:satOff val="0"/>
-              <a:lumOff val="0"/>
-              <a:alphaOff val="0"/>
-            </a:schemeClr>
-          </a:solidFill>
-          <a:prstDash val="solid"/>
-          <a:miter lim="800000"/>
-        </a:ln>
-        <a:effectLst/>
-      </dsp:spPr>
-      <dsp:style>
-        <a:lnRef idx="2">
-          <a:scrgbClr r="0" g="0" b="0"/>
-        </a:lnRef>
-        <a:fillRef idx="1">
-          <a:scrgbClr r="0" g="0" b="0"/>
-        </a:fillRef>
-        <a:effectRef idx="0">
-          <a:scrgbClr r="0" g="0" b="0"/>
-        </a:effectRef>
-        <a:fontRef idx="minor">
-          <a:schemeClr val="lt1"/>
-        </a:fontRef>
-      </dsp:style>
-      <dsp:txBody>
-        <a:bodyPr spcFirstLastPara="0" vert="horz" wrap="square" lIns="30480" tIns="30480" rIns="30480" bIns="30480" numCol="1" spcCol="1270" anchor="ctr" anchorCtr="0">
-          <a:noAutofit/>
-        </a:bodyPr>
-        <a:lstStyle/>
-        <a:p>
-          <a:pPr lvl="0" algn="ctr" defTabSz="1066800">
-            <a:lnSpc>
-              <a:spcPct val="90000"/>
-            </a:lnSpc>
-            <a:spcBef>
-              <a:spcPct val="0"/>
-            </a:spcBef>
-            <a:spcAft>
-              <a:spcPct val="35000"/>
-            </a:spcAft>
-          </a:pPr>
-          <a:r>
-            <a:rPr lang="zh-CN" altLang="en-US" sz="2400" kern="1200" dirty="0" smtClean="0"/>
-            <a:t>唐富强</a:t>
-          </a:r>
-          <a:endParaRPr lang="zh-CN" altLang="en-US" sz="2400" kern="1200" dirty="0"/>
-        </a:p>
-      </dsp:txBody>
-      <dsp:txXfrm>
-        <a:off x="4482736" y="2658980"/>
-        <a:ext cx="783730" cy="783730"/>
-      </dsp:txXfrm>
-    </dsp:sp>
-    <dsp:sp modelId="{4428FDA3-427D-4BAA-ACE5-53F02FAE9CEF}">
-      <dsp:nvSpPr>
-        <dsp:cNvPr id="0" name=""/>
-        <dsp:cNvSpPr/>
-      </dsp:nvSpPr>
-      <dsp:spPr>
-        <a:xfrm rot="9000000">
-          <a:off x="4014473" y="3275489"/>
-          <a:ext cx="294154" cy="374072"/>
-        </a:xfrm>
-        <a:prstGeom prst="rightArrow">
-          <a:avLst>
-            <a:gd name="adj1" fmla="val 60000"/>
-            <a:gd name="adj2" fmla="val 50000"/>
-          </a:avLst>
-        </a:prstGeom>
-        <a:solidFill>
-          <a:srgbClr val="71CAE0"/>
-        </a:solidFill>
-        <a:ln>
-          <a:noFill/>
-        </a:ln>
-        <a:effectLst/>
-      </dsp:spPr>
-      <dsp:style>
-        <a:lnRef idx="0">
-          <a:scrgbClr r="0" g="0" b="0"/>
-        </a:lnRef>
-        <a:fillRef idx="1">
-          <a:scrgbClr r="0" g="0" b="0"/>
-        </a:fillRef>
-        <a:effectRef idx="0">
-          <a:scrgbClr r="0" g="0" b="0"/>
-        </a:effectRef>
-        <a:fontRef idx="minor">
-          <a:schemeClr val="lt1"/>
-        </a:fontRef>
-      </dsp:style>
-      <dsp:txBody>
-        <a:bodyPr spcFirstLastPara="0" vert="horz" wrap="square" lIns="0" tIns="0" rIns="0" bIns="0" numCol="1" spcCol="1270" anchor="ctr" anchorCtr="0">
-          <a:noAutofit/>
-        </a:bodyPr>
-        <a:lstStyle/>
-        <a:p>
-          <a:pPr lvl="0" algn="ctr" defTabSz="711200">
-            <a:lnSpc>
-              <a:spcPct val="90000"/>
-            </a:lnSpc>
-            <a:spcBef>
-              <a:spcPct val="0"/>
-            </a:spcBef>
-            <a:spcAft>
-              <a:spcPct val="35000"/>
-            </a:spcAft>
-          </a:pPr>
-          <a:endParaRPr lang="zh-CN" altLang="en-US" sz="1600" kern="1200"/>
-        </a:p>
-      </dsp:txBody>
-      <dsp:txXfrm rot="10800000">
-        <a:off x="4096808" y="3328242"/>
-        <a:ext cx="205908" cy="224444"/>
-      </dsp:txXfrm>
-    </dsp:sp>
-    <dsp:sp modelId="{A46B5934-9160-4F57-A817-4692AC0848C9}">
-      <dsp:nvSpPr>
-        <dsp:cNvPr id="0" name=""/>
-        <dsp:cNvSpPr/>
-      </dsp:nvSpPr>
-      <dsp:spPr>
-        <a:xfrm>
-          <a:off x="2879898" y="3328350"/>
-          <a:ext cx="1108362" cy="1108362"/>
-        </a:xfrm>
-        <a:prstGeom prst="ellipse">
-          <a:avLst/>
-        </a:prstGeom>
-        <a:solidFill>
-          <a:srgbClr val="71CAE0"/>
-        </a:solidFill>
-        <a:ln w="12700" cap="flat" cmpd="sng" algn="ctr">
-          <a:solidFill>
-            <a:schemeClr val="lt1">
-              <a:hueOff val="0"/>
-              <a:satOff val="0"/>
-              <a:lumOff val="0"/>
-              <a:alphaOff val="0"/>
-            </a:schemeClr>
-          </a:solidFill>
-          <a:prstDash val="solid"/>
-          <a:miter lim="800000"/>
-        </a:ln>
-        <a:effectLst/>
-      </dsp:spPr>
-      <dsp:style>
-        <a:lnRef idx="2">
-          <a:scrgbClr r="0" g="0" b="0"/>
-        </a:lnRef>
-        <a:fillRef idx="1">
-          <a:scrgbClr r="0" g="0" b="0"/>
-        </a:fillRef>
-        <a:effectRef idx="0">
-          <a:scrgbClr r="0" g="0" b="0"/>
-        </a:effectRef>
-        <a:fontRef idx="minor">
-          <a:schemeClr val="lt1"/>
-        </a:fontRef>
-      </dsp:style>
-      <dsp:txBody>
-        <a:bodyPr spcFirstLastPara="0" vert="horz" wrap="square" lIns="30480" tIns="30480" rIns="30480" bIns="30480" numCol="1" spcCol="1270" anchor="ctr" anchorCtr="0">
-          <a:noAutofit/>
-        </a:bodyPr>
-        <a:lstStyle/>
-        <a:p>
-          <a:pPr lvl="0" algn="ctr" defTabSz="1066800">
-            <a:lnSpc>
-              <a:spcPct val="90000"/>
-            </a:lnSpc>
-            <a:spcBef>
-              <a:spcPct val="0"/>
-            </a:spcBef>
-            <a:spcAft>
-              <a:spcPct val="35000"/>
-            </a:spcAft>
-          </a:pPr>
-          <a:r>
-            <a:rPr lang="zh-CN" altLang="en-US" sz="2400" kern="1200" dirty="0" smtClean="0"/>
-            <a:t>陈全州</a:t>
-          </a:r>
-          <a:endParaRPr lang="zh-CN" altLang="en-US" sz="2400" kern="1200" dirty="0"/>
-        </a:p>
-      </dsp:txBody>
-      <dsp:txXfrm>
-        <a:off x="3042214" y="3490666"/>
-        <a:ext cx="783730" cy="783730"/>
-      </dsp:txXfrm>
-    </dsp:sp>
-    <dsp:sp modelId="{3AB7E1B2-DA14-4D0F-A693-7465680DF0FF}">
-      <dsp:nvSpPr>
-        <dsp:cNvPr id="0" name=""/>
-        <dsp:cNvSpPr/>
-      </dsp:nvSpPr>
-      <dsp:spPr>
-        <a:xfrm rot="12600000">
-          <a:off x="2573951" y="3283815"/>
-          <a:ext cx="294154" cy="374072"/>
-        </a:xfrm>
-        <a:prstGeom prst="rightArrow">
-          <a:avLst>
-            <a:gd name="adj1" fmla="val 60000"/>
-            <a:gd name="adj2" fmla="val 50000"/>
-          </a:avLst>
-        </a:prstGeom>
-        <a:solidFill>
-          <a:schemeClr val="accent1">
-            <a:tint val="60000"/>
-            <a:hueOff val="0"/>
-            <a:satOff val="0"/>
-            <a:lumOff val="0"/>
-            <a:alphaOff val="0"/>
-          </a:schemeClr>
-        </a:solidFill>
-        <a:ln>
-          <a:noFill/>
-        </a:ln>
-        <a:effectLst/>
-      </dsp:spPr>
-      <dsp:style>
-        <a:lnRef idx="0">
-          <a:scrgbClr r="0" g="0" b="0"/>
-        </a:lnRef>
-        <a:fillRef idx="1">
-          <a:scrgbClr r="0" g="0" b="0"/>
-        </a:fillRef>
-        <a:effectRef idx="0">
-          <a:scrgbClr r="0" g="0" b="0"/>
-        </a:effectRef>
-        <a:fontRef idx="minor">
-          <a:schemeClr val="lt1"/>
-        </a:fontRef>
-      </dsp:style>
-      <dsp:txBody>
-        <a:bodyPr spcFirstLastPara="0" vert="horz" wrap="square" lIns="0" tIns="0" rIns="0" bIns="0" numCol="1" spcCol="1270" anchor="ctr" anchorCtr="0">
-          <a:noAutofit/>
-        </a:bodyPr>
-        <a:lstStyle/>
-        <a:p>
-          <a:pPr lvl="0" algn="ctr" defTabSz="711200">
-            <a:lnSpc>
-              <a:spcPct val="90000"/>
-            </a:lnSpc>
-            <a:spcBef>
-              <a:spcPct val="0"/>
-            </a:spcBef>
-            <a:spcAft>
-              <a:spcPct val="35000"/>
-            </a:spcAft>
-          </a:pPr>
-          <a:endParaRPr lang="zh-CN" altLang="en-US" sz="1600" kern="1200"/>
-        </a:p>
-      </dsp:txBody>
-      <dsp:txXfrm rot="10800000">
-        <a:off x="2656286" y="3380691"/>
-        <a:ext cx="205908" cy="224444"/>
-      </dsp:txXfrm>
-    </dsp:sp>
-    <dsp:sp modelId="{F2BEC5D0-921F-462A-A918-FB588A11E73B}">
-      <dsp:nvSpPr>
-        <dsp:cNvPr id="0" name=""/>
-        <dsp:cNvSpPr/>
-      </dsp:nvSpPr>
-      <dsp:spPr>
-        <a:xfrm>
-          <a:off x="1439376" y="2496664"/>
-          <a:ext cx="1108362" cy="1108362"/>
-        </a:xfrm>
-        <a:prstGeom prst="ellipse">
-          <a:avLst/>
-        </a:prstGeom>
-        <a:solidFill>
-          <a:srgbClr val="71CAE0"/>
-        </a:solidFill>
-        <a:ln w="12700" cap="flat" cmpd="sng" algn="ctr">
-          <a:solidFill>
-            <a:schemeClr val="lt1">
-              <a:hueOff val="0"/>
-              <a:satOff val="0"/>
-              <a:lumOff val="0"/>
-              <a:alphaOff val="0"/>
-            </a:schemeClr>
-          </a:solidFill>
-          <a:prstDash val="solid"/>
-          <a:miter lim="800000"/>
-        </a:ln>
-        <a:effectLst/>
-      </dsp:spPr>
-      <dsp:style>
-        <a:lnRef idx="2">
-          <a:scrgbClr r="0" g="0" b="0"/>
-        </a:lnRef>
-        <a:fillRef idx="1">
-          <a:scrgbClr r="0" g="0" b="0"/>
-        </a:fillRef>
-        <a:effectRef idx="0">
-          <a:scrgbClr r="0" g="0" b="0"/>
-        </a:effectRef>
-        <a:fontRef idx="minor">
-          <a:schemeClr val="lt1"/>
-        </a:fontRef>
-      </dsp:style>
-      <dsp:txBody>
-        <a:bodyPr spcFirstLastPara="0" vert="horz" wrap="square" lIns="30480" tIns="30480" rIns="30480" bIns="30480" numCol="1" spcCol="1270" anchor="ctr" anchorCtr="0">
-          <a:noAutofit/>
-        </a:bodyPr>
-        <a:lstStyle/>
-        <a:p>
-          <a:pPr lvl="0" algn="ctr" defTabSz="1066800">
-            <a:lnSpc>
-              <a:spcPct val="90000"/>
-            </a:lnSpc>
-            <a:spcBef>
-              <a:spcPct val="0"/>
-            </a:spcBef>
-            <a:spcAft>
-              <a:spcPct val="35000"/>
-            </a:spcAft>
-          </a:pPr>
-          <a:r>
-            <a:rPr lang="zh-CN" altLang="en-US" sz="2400" kern="1200" dirty="0" smtClean="0"/>
-            <a:t>冉小东</a:t>
-          </a:r>
-          <a:endParaRPr lang="zh-CN" altLang="en-US" sz="2400" kern="1200" dirty="0"/>
-        </a:p>
-      </dsp:txBody>
-      <dsp:txXfrm>
-        <a:off x="1601692" y="2658980"/>
-        <a:ext cx="783730" cy="783730"/>
-      </dsp:txXfrm>
-    </dsp:sp>
-    <dsp:sp modelId="{3512ED61-E819-4558-8CB0-85AF131E567C}">
-      <dsp:nvSpPr>
-        <dsp:cNvPr id="0" name=""/>
-        <dsp:cNvSpPr/>
-      </dsp:nvSpPr>
-      <dsp:spPr>
-        <a:xfrm rot="16200000">
-          <a:off x="1846480" y="2040448"/>
-          <a:ext cx="294154" cy="374072"/>
-        </a:xfrm>
-        <a:prstGeom prst="rightArrow">
-          <a:avLst>
-            <a:gd name="adj1" fmla="val 60000"/>
-            <a:gd name="adj2" fmla="val 50000"/>
-          </a:avLst>
-        </a:prstGeom>
-        <a:solidFill>
-          <a:srgbClr val="71CAE0"/>
-        </a:solidFill>
-        <a:ln>
-          <a:noFill/>
-        </a:ln>
-        <a:effectLst/>
-      </dsp:spPr>
-      <dsp:style>
-        <a:lnRef idx="0">
-          <a:scrgbClr r="0" g="0" b="0"/>
-        </a:lnRef>
-        <a:fillRef idx="1">
-          <a:scrgbClr r="0" g="0" b="0"/>
-        </a:fillRef>
-        <a:effectRef idx="0">
-          <a:scrgbClr r="0" g="0" b="0"/>
-        </a:effectRef>
-        <a:fontRef idx="minor">
-          <a:schemeClr val="lt1"/>
-        </a:fontRef>
-      </dsp:style>
-      <dsp:txBody>
-        <a:bodyPr spcFirstLastPara="0" vert="horz" wrap="square" lIns="0" tIns="0" rIns="0" bIns="0" numCol="1" spcCol="1270" anchor="ctr" anchorCtr="0">
-          <a:noAutofit/>
-        </a:bodyPr>
-        <a:lstStyle/>
-        <a:p>
-          <a:pPr lvl="0" algn="ctr" defTabSz="711200">
-            <a:lnSpc>
-              <a:spcPct val="90000"/>
-            </a:lnSpc>
-            <a:spcBef>
-              <a:spcPct val="0"/>
-            </a:spcBef>
-            <a:spcAft>
-              <a:spcPct val="35000"/>
-            </a:spcAft>
-          </a:pPr>
-          <a:endParaRPr lang="zh-CN" altLang="en-US" sz="1600" kern="1200"/>
-        </a:p>
-      </dsp:txBody>
-      <dsp:txXfrm>
-        <a:off x="1890603" y="2159385"/>
-        <a:ext cx="205908" cy="224444"/>
-      </dsp:txXfrm>
-    </dsp:sp>
-    <dsp:sp modelId="{9089E7B4-7B60-42D9-B22B-63CA2D21FEDB}">
-      <dsp:nvSpPr>
-        <dsp:cNvPr id="0" name=""/>
-        <dsp:cNvSpPr/>
-      </dsp:nvSpPr>
-      <dsp:spPr>
-        <a:xfrm>
-          <a:off x="1439376" y="833292"/>
-          <a:ext cx="1108362" cy="1108362"/>
-        </a:xfrm>
-        <a:prstGeom prst="ellipse">
-          <a:avLst/>
-        </a:prstGeom>
-        <a:solidFill>
-          <a:srgbClr val="71CAE0"/>
-        </a:solidFill>
-        <a:ln w="12700" cap="flat" cmpd="sng" algn="ctr">
-          <a:noFill/>
-          <a:prstDash val="solid"/>
-          <a:miter lim="800000"/>
-        </a:ln>
-        <a:effectLst/>
-      </dsp:spPr>
-      <dsp:style>
-        <a:lnRef idx="2">
-          <a:scrgbClr r="0" g="0" b="0"/>
-        </a:lnRef>
-        <a:fillRef idx="1">
-          <a:scrgbClr r="0" g="0" b="0"/>
-        </a:fillRef>
-        <a:effectRef idx="0">
-          <a:scrgbClr r="0" g="0" b="0"/>
-        </a:effectRef>
-        <a:fontRef idx="minor">
-          <a:schemeClr val="lt1"/>
-        </a:fontRef>
-      </dsp:style>
-      <dsp:txBody>
-        <a:bodyPr spcFirstLastPara="0" vert="horz" wrap="square" lIns="30480" tIns="30480" rIns="30480" bIns="30480" numCol="1" spcCol="1270" anchor="ctr" anchorCtr="0">
-          <a:noAutofit/>
-        </a:bodyPr>
-        <a:lstStyle/>
-        <a:p>
-          <a:pPr lvl="0" algn="ctr" defTabSz="1066800">
-            <a:lnSpc>
-              <a:spcPct val="90000"/>
-            </a:lnSpc>
-            <a:spcBef>
-              <a:spcPct val="0"/>
-            </a:spcBef>
-            <a:spcAft>
-              <a:spcPct val="35000"/>
-            </a:spcAft>
-          </a:pPr>
-          <a:r>
-            <a:rPr lang="zh-CN" altLang="en-US" sz="2400" kern="1200" dirty="0" smtClean="0"/>
-            <a:t>黄汉乐</a:t>
-          </a:r>
-          <a:endParaRPr lang="zh-CN" altLang="en-US" sz="2400" kern="1200" dirty="0"/>
-        </a:p>
-      </dsp:txBody>
-      <dsp:txXfrm>
-        <a:off x="1601692" y="995608"/>
-        <a:ext cx="783730" cy="783730"/>
-      </dsp:txXfrm>
-    </dsp:sp>
-    <dsp:sp modelId="{5D69AA93-60CE-40CB-B128-BE3BD7DCF9F9}">
-      <dsp:nvSpPr>
-        <dsp:cNvPr id="0" name=""/>
-        <dsp:cNvSpPr/>
-      </dsp:nvSpPr>
-      <dsp:spPr>
-        <a:xfrm rot="19800000">
-          <a:off x="2559531" y="788757"/>
-          <a:ext cx="294154" cy="374072"/>
-        </a:xfrm>
-        <a:prstGeom prst="rightArrow">
-          <a:avLst>
-            <a:gd name="adj1" fmla="val 60000"/>
-            <a:gd name="adj2" fmla="val 50000"/>
-          </a:avLst>
-        </a:prstGeom>
-        <a:solidFill>
-          <a:srgbClr val="71CAE0"/>
-        </a:solidFill>
-        <a:ln>
-          <a:noFill/>
-        </a:ln>
-        <a:effectLst/>
-      </dsp:spPr>
-      <dsp:style>
-        <a:lnRef idx="0">
-          <a:scrgbClr r="0" g="0" b="0"/>
-        </a:lnRef>
-        <a:fillRef idx="1">
-          <a:scrgbClr r="0" g="0" b="0"/>
-        </a:fillRef>
-        <a:effectRef idx="0">
-          <a:scrgbClr r="0" g="0" b="0"/>
-        </a:effectRef>
-        <a:fontRef idx="minor">
-          <a:schemeClr val="lt1"/>
-        </a:fontRef>
-      </dsp:style>
-      <dsp:txBody>
-        <a:bodyPr spcFirstLastPara="0" vert="horz" wrap="square" lIns="0" tIns="0" rIns="0" bIns="0" numCol="1" spcCol="1270" anchor="ctr" anchorCtr="0">
-          <a:noAutofit/>
-        </a:bodyPr>
-        <a:lstStyle/>
-        <a:p>
-          <a:pPr lvl="0" algn="ctr" defTabSz="711200">
-            <a:lnSpc>
-              <a:spcPct val="90000"/>
-            </a:lnSpc>
-            <a:spcBef>
-              <a:spcPct val="0"/>
-            </a:spcBef>
-            <a:spcAft>
-              <a:spcPct val="35000"/>
-            </a:spcAft>
-          </a:pPr>
-          <a:endParaRPr lang="zh-CN" altLang="en-US" sz="1600" kern="1200"/>
-        </a:p>
-      </dsp:txBody>
-      <dsp:txXfrm>
-        <a:off x="2565442" y="885633"/>
-        <a:ext cx="205908" cy="224444"/>
-      </dsp:txXfrm>
-    </dsp:sp>
   </dsp:spTree>
 </dsp:drawing>
 </file>
@@ -21187,6 +20160,36 @@
           </p:txBody>
         </p:sp>
       </p:grpSp>
+      <p:pic>
+        <p:nvPicPr>
+          <p:cNvPr id="37" name="图片 36"/>
+          <p:cNvPicPr>
+            <a:picLocks noChangeAspect="1"/>
+          </p:cNvPicPr>
+          <p:nvPr userDrawn="1"/>
+        </p:nvPicPr>
+        <p:blipFill>
+          <a:blip r:embed="rId2">
+            <a:extLst>
+              <a:ext uri="{28A0092B-C50C-407E-A947-70E740481C1C}">
+                <a14:useLocalDpi xmlns:a14="http://schemas.microsoft.com/office/drawing/2010/main" val="0"/>
+              </a:ext>
+            </a:extLst>
+          </a:blip>
+          <a:stretch>
+            <a:fillRect/>
+          </a:stretch>
+        </p:blipFill>
+        <p:spPr>
+          <a:xfrm>
+            <a:off x="5466122" y="59830"/>
+            <a:ext cx="1000000" cy="485714"/>
+          </a:xfrm>
+          <a:prstGeom prst="rect">
+            <a:avLst/>
+          </a:prstGeom>
+        </p:spPr>
+      </p:pic>
     </p:spTree>
     <p:extLst>
       <p:ext uri="{BB962C8B-B14F-4D97-AF65-F5344CB8AC3E}">
@@ -27182,6 +26185,36 @@
           </p:txBody>
         </p:sp>
       </p:grpSp>
+      <p:pic>
+        <p:nvPicPr>
+          <p:cNvPr id="52" name="图片 51"/>
+          <p:cNvPicPr>
+            <a:picLocks noChangeAspect="1"/>
+          </p:cNvPicPr>
+          <p:nvPr userDrawn="1"/>
+        </p:nvPicPr>
+        <p:blipFill>
+          <a:blip r:embed="rId2">
+            <a:extLst>
+              <a:ext uri="{28A0092B-C50C-407E-A947-70E740481C1C}">
+                <a14:useLocalDpi xmlns:a14="http://schemas.microsoft.com/office/drawing/2010/main" val="0"/>
+              </a:ext>
+            </a:extLst>
+          </a:blip>
+          <a:stretch>
+            <a:fillRect/>
+          </a:stretch>
+        </p:blipFill>
+        <p:spPr>
+          <a:xfrm>
+            <a:off x="5466122" y="59830"/>
+            <a:ext cx="1000000" cy="485714"/>
+          </a:xfrm>
+          <a:prstGeom prst="rect">
+            <a:avLst/>
+          </a:prstGeom>
+        </p:spPr>
+      </p:pic>
     </p:spTree>
     <p:extLst>
       <p:ext uri="{BB962C8B-B14F-4D97-AF65-F5344CB8AC3E}">
@@ -27714,6 +26747,36 @@
           </p:txBody>
         </p:sp>
       </p:grpSp>
+      <p:pic>
+        <p:nvPicPr>
+          <p:cNvPr id="18" name="图片 17"/>
+          <p:cNvPicPr>
+            <a:picLocks noChangeAspect="1"/>
+          </p:cNvPicPr>
+          <p:nvPr userDrawn="1"/>
+        </p:nvPicPr>
+        <p:blipFill>
+          <a:blip r:embed="rId2">
+            <a:extLst>
+              <a:ext uri="{28A0092B-C50C-407E-A947-70E740481C1C}">
+                <a14:useLocalDpi xmlns:a14="http://schemas.microsoft.com/office/drawing/2010/main" val="0"/>
+              </a:ext>
+            </a:extLst>
+          </a:blip>
+          <a:stretch>
+            <a:fillRect/>
+          </a:stretch>
+        </p:blipFill>
+        <p:spPr>
+          <a:xfrm>
+            <a:off x="5466122" y="59830"/>
+            <a:ext cx="1000000" cy="485714"/>
+          </a:xfrm>
+          <a:prstGeom prst="rect">
+            <a:avLst/>
+          </a:prstGeom>
+        </p:spPr>
+      </p:pic>
     </p:spTree>
     <p:extLst>
       <p:ext uri="{BB962C8B-B14F-4D97-AF65-F5344CB8AC3E}">
@@ -27784,6 +26847,36 @@
           <a:chExt cx="0" cy="0"/>
         </a:xfrm>
       </p:grpSpPr>
+      <p:pic>
+        <p:nvPicPr>
+          <p:cNvPr id="2" name="图片 1"/>
+          <p:cNvPicPr>
+            <a:picLocks noChangeAspect="1"/>
+          </p:cNvPicPr>
+          <p:nvPr userDrawn="1"/>
+        </p:nvPicPr>
+        <p:blipFill>
+          <a:blip r:embed="rId2">
+            <a:extLst>
+              <a:ext uri="{28A0092B-C50C-407E-A947-70E740481C1C}">
+                <a14:useLocalDpi xmlns:a14="http://schemas.microsoft.com/office/drawing/2010/main" val="0"/>
+              </a:ext>
+            </a:extLst>
+          </a:blip>
+          <a:stretch>
+            <a:fillRect/>
+          </a:stretch>
+        </p:blipFill>
+        <p:spPr>
+          <a:xfrm>
+            <a:off x="5466122" y="59830"/>
+            <a:ext cx="1000000" cy="485714"/>
+          </a:xfrm>
+          <a:prstGeom prst="rect">
+            <a:avLst/>
+          </a:prstGeom>
+        </p:spPr>
+      </p:pic>
     </p:spTree>
     <p:extLst>
       <p:ext uri="{BB962C8B-B14F-4D97-AF65-F5344CB8AC3E}">
@@ -31791,7 +30884,7 @@
         </p:blipFill>
         <p:spPr>
           <a:xfrm>
-            <a:off x="5453489" y="6156254"/>
+            <a:off x="5466122" y="59830"/>
             <a:ext cx="1000000" cy="485714"/>
           </a:xfrm>
           <a:prstGeom prst="rect">
@@ -31928,15 +31021,7 @@
                   <a:schemeClr val="bg1"/>
                 </a:solidFill>
               </a:rPr>
-              <a:t>PART  </a:t>
-            </a:r>
-            <a:r>
-              <a:rPr kumimoji="1" lang="en-US" altLang="zh-CN" sz="5400" b="1" dirty="0" smtClean="0">
-                <a:solidFill>
-                  <a:schemeClr val="bg1"/>
-                </a:solidFill>
-              </a:rPr>
-              <a:t>THREE</a:t>
+              <a:t>PART  THREE</a:t>
             </a:r>
             <a:endParaRPr kumimoji="1" lang="zh-CN" altLang="en-US" sz="5400" b="1" dirty="0">
               <a:solidFill>
@@ -32228,36 +31313,6 @@
           </a:p>
         </p:txBody>
       </p:sp>
-      <p:pic>
-        <p:nvPicPr>
-          <p:cNvPr id="97" name="图片 96"/>
-          <p:cNvPicPr>
-            <a:picLocks noChangeAspect="1"/>
-          </p:cNvPicPr>
-          <p:nvPr/>
-        </p:nvPicPr>
-        <p:blipFill>
-          <a:blip r:embed="rId8">
-            <a:extLst>
-              <a:ext uri="{28A0092B-C50C-407E-A947-70E740481C1C}">
-                <a14:useLocalDpi xmlns:a14="http://schemas.microsoft.com/office/drawing/2010/main" val="0"/>
-              </a:ext>
-            </a:extLst>
-          </a:blip>
-          <a:stretch>
-            <a:fillRect/>
-          </a:stretch>
-        </p:blipFill>
-        <p:spPr>
-          <a:xfrm>
-            <a:off x="10795146" y="6156254"/>
-            <a:ext cx="1000000" cy="485714"/>
-          </a:xfrm>
-          <a:prstGeom prst="rect">
-            <a:avLst/>
-          </a:prstGeom>
-        </p:spPr>
-      </p:pic>
     </p:spTree>
     <p:extLst>
       <p:ext uri="{BB962C8B-B14F-4D97-AF65-F5344CB8AC3E}">
@@ -32857,36 +31912,6 @@
           </p:txBody>
         </p:sp>
       </p:grpSp>
-      <p:pic>
-        <p:nvPicPr>
-          <p:cNvPr id="12" name="图片 11"/>
-          <p:cNvPicPr>
-            <a:picLocks noChangeAspect="1"/>
-          </p:cNvPicPr>
-          <p:nvPr/>
-        </p:nvPicPr>
-        <p:blipFill>
-          <a:blip r:embed="rId2">
-            <a:extLst>
-              <a:ext uri="{28A0092B-C50C-407E-A947-70E740481C1C}">
-                <a14:useLocalDpi xmlns:a14="http://schemas.microsoft.com/office/drawing/2010/main" val="0"/>
-              </a:ext>
-            </a:extLst>
-          </a:blip>
-          <a:stretch>
-            <a:fillRect/>
-          </a:stretch>
-        </p:blipFill>
-        <p:spPr>
-          <a:xfrm>
-            <a:off x="5453489" y="6156254"/>
-            <a:ext cx="1000000" cy="485714"/>
-          </a:xfrm>
-          <a:prstGeom prst="rect">
-            <a:avLst/>
-          </a:prstGeom>
-        </p:spPr>
-      </p:pic>
     </p:spTree>
     <p:extLst>
       <p:ext uri="{BB962C8B-B14F-4D97-AF65-F5344CB8AC3E}">
@@ -33216,11 +32241,6 @@
                 </a:rPr>
                 <a:t>黄汉乐</a:t>
               </a:r>
-              <a:endParaRPr kumimoji="1" lang="zh-CN" altLang="en-US" sz="2400" b="1" dirty="0">
-                <a:solidFill>
-                  <a:schemeClr val="bg1"/>
-                </a:solidFill>
-              </a:endParaRPr>
             </a:p>
           </p:txBody>
         </p:sp>
@@ -33738,11 +32758,6 @@
                 </a:rPr>
                 <a:t>全州</a:t>
               </a:r>
-              <a:endParaRPr kumimoji="1" lang="zh-CN" altLang="en-US" sz="2400" b="1" dirty="0">
-                <a:solidFill>
-                  <a:schemeClr val="bg1"/>
-                </a:solidFill>
-              </a:endParaRPr>
             </a:p>
           </p:txBody>
         </p:sp>
@@ -33839,7 +32854,6 @@
                 <a:rPr lang="zh-CN" altLang="zh-CN" dirty="0"/>
                 <a:t>模糊查询用户信息以及统计用户数量。</a:t>
               </a:r>
-              <a:endParaRPr lang="zh-CN" altLang="zh-CN" dirty="0"/>
             </a:p>
             <a:p>
               <a:endParaRPr lang="en-US" altLang="zh-CN" dirty="0" smtClean="0"/>
@@ -34012,11 +33026,6 @@
                 </a:rPr>
                 <a:t>唐富强</a:t>
               </a:r>
-              <a:endParaRPr kumimoji="1" lang="zh-CN" altLang="en-US" sz="2400" b="1" dirty="0">
-                <a:solidFill>
-                  <a:schemeClr val="bg1"/>
-                </a:solidFill>
-              </a:endParaRPr>
             </a:p>
           </p:txBody>
         </p:sp>
@@ -34499,11 +33508,6 @@
                 </a:rPr>
                 <a:t>冉小东</a:t>
               </a:r>
-              <a:endParaRPr kumimoji="1" lang="zh-CN" altLang="en-US" sz="2400" b="1" dirty="0">
-                <a:solidFill>
-                  <a:schemeClr val="bg1"/>
-                </a:solidFill>
-              </a:endParaRPr>
             </a:p>
           </p:txBody>
         </p:sp>
@@ -35478,36 +34482,6 @@
           </p:txBody>
         </p:sp>
       </p:grpSp>
-      <p:pic>
-        <p:nvPicPr>
-          <p:cNvPr id="12" name="图片 11"/>
-          <p:cNvPicPr>
-            <a:picLocks noChangeAspect="1"/>
-          </p:cNvPicPr>
-          <p:nvPr/>
-        </p:nvPicPr>
-        <p:blipFill>
-          <a:blip r:embed="rId2">
-            <a:extLst>
-              <a:ext uri="{28A0092B-C50C-407E-A947-70E740481C1C}">
-                <a14:useLocalDpi xmlns:a14="http://schemas.microsoft.com/office/drawing/2010/main" val="0"/>
-              </a:ext>
-            </a:extLst>
-          </a:blip>
-          <a:stretch>
-            <a:fillRect/>
-          </a:stretch>
-        </p:blipFill>
-        <p:spPr>
-          <a:xfrm>
-            <a:off x="5453489" y="6156254"/>
-            <a:ext cx="1000000" cy="485714"/>
-          </a:xfrm>
-          <a:prstGeom prst="rect">
-            <a:avLst/>
-          </a:prstGeom>
-        </p:spPr>
-      </p:pic>
     </p:spTree>
     <p:extLst>
       <p:ext uri="{BB962C8B-B14F-4D97-AF65-F5344CB8AC3E}">
@@ -35518,13 +34492,13 @@
   <p:clrMapOvr>
     <a:masterClrMapping/>
   </p:clrMapOvr>
-  <mc:AlternateContent xmlns:mc="http://schemas.openxmlformats.org/markup-compatibility/2006">
-    <mc:Choice xmlns:p15="http://schemas.microsoft.com/office/powerpoint/2012/main" Requires="p15">
+  <mc:AlternateContent xmlns:mc="http://schemas.openxmlformats.org/markup-compatibility/2006" xmlns:p15="http://schemas.microsoft.com/office/powerpoint/2012/main">
+    <mc:Choice Requires="p15">
       <p:transition xmlns:p14="http://schemas.microsoft.com/office/powerpoint/2010/main" spd="slow" p14:dur="1250">
         <p15:prstTrans prst="peelOff"/>
       </p:transition>
     </mc:Choice>
-    <mc:Fallback>
+    <mc:Fallback xmlns="">
       <p:transition spd="slow">
         <p:fade/>
       </p:transition>
@@ -38863,36 +37837,6 @@
           </p:txBody>
         </p:sp>
       </p:grpSp>
-      <p:pic>
-        <p:nvPicPr>
-          <p:cNvPr id="98" name="图片 97"/>
-          <p:cNvPicPr>
-            <a:picLocks noChangeAspect="1"/>
-          </p:cNvPicPr>
-          <p:nvPr/>
-        </p:nvPicPr>
-        <p:blipFill>
-          <a:blip r:embed="rId2">
-            <a:extLst>
-              <a:ext uri="{28A0092B-C50C-407E-A947-70E740481C1C}">
-                <a14:useLocalDpi xmlns:a14="http://schemas.microsoft.com/office/drawing/2010/main" val="0"/>
-              </a:ext>
-            </a:extLst>
-          </a:blip>
-          <a:stretch>
-            <a:fillRect/>
-          </a:stretch>
-        </p:blipFill>
-        <p:spPr>
-          <a:xfrm>
-            <a:off x="5453489" y="6156254"/>
-            <a:ext cx="1000000" cy="485714"/>
-          </a:xfrm>
-          <a:prstGeom prst="rect">
-            <a:avLst/>
-          </a:prstGeom>
-        </p:spPr>
-      </p:pic>
     </p:spTree>
     <p:extLst>
       <p:ext uri="{BB962C8B-B14F-4D97-AF65-F5344CB8AC3E}">
@@ -40119,47 +39063,9 @@
               </a:rPr>
               <a:t>背景</a:t>
             </a:r>
-            <a:endParaRPr kumimoji="1" lang="zh-CN" altLang="en-US" sz="3200" b="1" dirty="0">
-              <a:solidFill>
-                <a:schemeClr val="bg1"/>
-              </a:solidFill>
-              <a:latin typeface="Microsoft YaHei" charset="0"/>
-              <a:ea typeface="Microsoft YaHei" charset="0"/>
-              <a:cs typeface="Microsoft YaHei" charset="0"/>
-            </a:endParaRPr>
           </a:p>
         </p:txBody>
       </p:sp>
-      <p:pic>
-        <p:nvPicPr>
-          <p:cNvPr id="43" name="图片 42"/>
-          <p:cNvPicPr>
-            <a:picLocks noChangeAspect="1"/>
-          </p:cNvPicPr>
-          <p:nvPr/>
-        </p:nvPicPr>
-        <p:blipFill>
-          <a:blip r:embed="rId2">
-            <a:extLst>
-              <a:ext uri="{28A0092B-C50C-407E-A947-70E740481C1C}">
-                <a14:useLocalDpi xmlns:a14="http://schemas.microsoft.com/office/drawing/2010/main" val="0"/>
-              </a:ext>
-            </a:extLst>
-          </a:blip>
-          <a:stretch>
-            <a:fillRect/>
-          </a:stretch>
-        </p:blipFill>
-        <p:spPr>
-          <a:xfrm>
-            <a:off x="5328419" y="6203105"/>
-            <a:ext cx="1000000" cy="485714"/>
-          </a:xfrm>
-          <a:prstGeom prst="rect">
-            <a:avLst/>
-          </a:prstGeom>
-        </p:spPr>
-      </p:pic>
     </p:spTree>
     <p:extLst>
       <p:ext uri="{BB962C8B-B14F-4D97-AF65-F5344CB8AC3E}">
@@ -40572,36 +39478,6 @@
           </p:txBody>
         </p:sp>
       </p:grpSp>
-      <p:pic>
-        <p:nvPicPr>
-          <p:cNvPr id="12" name="图片 11"/>
-          <p:cNvPicPr>
-            <a:picLocks noChangeAspect="1"/>
-          </p:cNvPicPr>
-          <p:nvPr/>
-        </p:nvPicPr>
-        <p:blipFill>
-          <a:blip r:embed="rId2">
-            <a:extLst>
-              <a:ext uri="{28A0092B-C50C-407E-A947-70E740481C1C}">
-                <a14:useLocalDpi xmlns:a14="http://schemas.microsoft.com/office/drawing/2010/main" val="0"/>
-              </a:ext>
-            </a:extLst>
-          </a:blip>
-          <a:stretch>
-            <a:fillRect/>
-          </a:stretch>
-        </p:blipFill>
-        <p:spPr>
-          <a:xfrm>
-            <a:off x="5453489" y="6260122"/>
-            <a:ext cx="1000000" cy="381845"/>
-          </a:xfrm>
-          <a:prstGeom prst="rect">
-            <a:avLst/>
-          </a:prstGeom>
-        </p:spPr>
-      </p:pic>
     </p:spTree>
     <p:extLst>
       <p:ext uri="{BB962C8B-B14F-4D97-AF65-F5344CB8AC3E}">
@@ -40680,11 +39556,7 @@
             </a:r>
             <a:r>
               <a:rPr kumimoji="1" lang="zh-CN" altLang="en-US" dirty="0" smtClean="0"/>
-              <a:t> </a:t>
-            </a:r>
-            <a:r>
-              <a:rPr kumimoji="1" lang="zh-CN" altLang="en-US" dirty="0" smtClean="0"/>
-              <a:t>项目背景</a:t>
+              <a:t> 项目背景</a:t>
             </a:r>
             <a:endParaRPr kumimoji="1" lang="zh-CN" altLang="en-US" dirty="0">
               <a:latin typeface="Microsoft YaHei" charset="0"/>
@@ -40971,14 +39843,6 @@
               </a:rPr>
               <a:t>年以来呈现出快速增长的势头。</a:t>
             </a:r>
-            <a:endParaRPr lang="zh-CN" altLang="en-US" sz="1200" dirty="0">
-              <a:solidFill>
-                <a:schemeClr val="bg1"/>
-              </a:solidFill>
-              <a:latin typeface="Microsoft YaHei" charset="0"/>
-              <a:ea typeface="Microsoft YaHei" charset="0"/>
-              <a:cs typeface="Microsoft YaHei" charset="0"/>
-            </a:endParaRPr>
           </a:p>
         </p:txBody>
       </p:sp>
@@ -41159,36 +40023,6 @@
           </a:graphicData>
         </a:graphic>
       </p:graphicFrame>
-      <p:pic>
-        <p:nvPicPr>
-          <p:cNvPr id="15" name="图片 14"/>
-          <p:cNvPicPr>
-            <a:picLocks noChangeAspect="1"/>
-          </p:cNvPicPr>
-          <p:nvPr/>
-        </p:nvPicPr>
-        <p:blipFill>
-          <a:blip r:embed="rId3">
-            <a:extLst>
-              <a:ext uri="{28A0092B-C50C-407E-A947-70E740481C1C}">
-                <a14:useLocalDpi xmlns:a14="http://schemas.microsoft.com/office/drawing/2010/main" val="0"/>
-              </a:ext>
-            </a:extLst>
-          </a:blip>
-          <a:stretch>
-            <a:fillRect/>
-          </a:stretch>
-        </p:blipFill>
-        <p:spPr>
-          <a:xfrm>
-            <a:off x="10868423" y="6227256"/>
-            <a:ext cx="1000000" cy="485714"/>
-          </a:xfrm>
-          <a:prstGeom prst="rect">
-            <a:avLst/>
-          </a:prstGeom>
-        </p:spPr>
-      </p:pic>
     </p:spTree>
     <p:extLst>
       <p:ext uri="{BB962C8B-B14F-4D97-AF65-F5344CB8AC3E}">
@@ -41214,9 +40048,512 @@
   <p:timing>
     <p:tnLst>
       <p:par>
-        <p:cTn id="1" dur="indefinite" restart="never" nodeType="tmRoot"/>
+        <p:cTn id="1" dur="indefinite" restart="never" nodeType="tmRoot">
+          <p:childTnLst>
+            <p:seq concurrent="1" nextAc="seek">
+              <p:cTn id="2" dur="indefinite" nodeType="mainSeq">
+                <p:childTnLst>
+                  <p:par>
+                    <p:cTn id="3" fill="hold">
+                      <p:stCondLst>
+                        <p:cond delay="indefinite"/>
+                      </p:stCondLst>
+                      <p:childTnLst>
+                        <p:par>
+                          <p:cTn id="4" fill="hold">
+                            <p:stCondLst>
+                              <p:cond delay="0"/>
+                            </p:stCondLst>
+                            <p:childTnLst>
+                              <p:par>
+                                <p:cTn id="5" presetID="10" presetClass="entr" presetSubtype="0" fill="hold" grpId="0" nodeType="clickEffect">
+                                  <p:stCondLst>
+                                    <p:cond delay="0"/>
+                                  </p:stCondLst>
+                                  <p:childTnLst>
+                                    <p:set>
+                                      <p:cBhvr>
+                                        <p:cTn id="6" dur="1" fill="hold">
+                                          <p:stCondLst>
+                                            <p:cond delay="0"/>
+                                          </p:stCondLst>
+                                        </p:cTn>
+                                        <p:tgtEl>
+                                          <p:spTgt spid="6"/>
+                                        </p:tgtEl>
+                                        <p:attrNameLst>
+                                          <p:attrName>style.visibility</p:attrName>
+                                        </p:attrNameLst>
+                                      </p:cBhvr>
+                                      <p:to>
+                                        <p:strVal val="visible"/>
+                                      </p:to>
+                                    </p:set>
+                                    <p:animEffect transition="in" filter="fade">
+                                      <p:cBhvr>
+                                        <p:cTn id="7" dur="500"/>
+                                        <p:tgtEl>
+                                          <p:spTgt spid="6"/>
+                                        </p:tgtEl>
+                                      </p:cBhvr>
+                                    </p:animEffect>
+                                  </p:childTnLst>
+                                </p:cTn>
+                              </p:par>
+                            </p:childTnLst>
+                          </p:cTn>
+                        </p:par>
+                      </p:childTnLst>
+                    </p:cTn>
+                  </p:par>
+                  <p:par>
+                    <p:cTn id="8" fill="hold">
+                      <p:stCondLst>
+                        <p:cond delay="indefinite"/>
+                      </p:stCondLst>
+                      <p:childTnLst>
+                        <p:par>
+                          <p:cTn id="9" fill="hold">
+                            <p:stCondLst>
+                              <p:cond delay="0"/>
+                            </p:stCondLst>
+                            <p:childTnLst>
+                              <p:par>
+                                <p:cTn id="10" presetID="42" presetClass="entr" presetSubtype="0" fill="hold" grpId="0" nodeType="clickEffect">
+                                  <p:stCondLst>
+                                    <p:cond delay="0"/>
+                                  </p:stCondLst>
+                                  <p:childTnLst>
+                                    <p:set>
+                                      <p:cBhvr>
+                                        <p:cTn id="11" dur="1" fill="hold">
+                                          <p:stCondLst>
+                                            <p:cond delay="0"/>
+                                          </p:stCondLst>
+                                        </p:cTn>
+                                        <p:tgtEl>
+                                          <p:spTgt spid="13"/>
+                                        </p:tgtEl>
+                                        <p:attrNameLst>
+                                          <p:attrName>style.visibility</p:attrName>
+                                        </p:attrNameLst>
+                                      </p:cBhvr>
+                                      <p:to>
+                                        <p:strVal val="visible"/>
+                                      </p:to>
+                                    </p:set>
+                                    <p:animEffect transition="in" filter="fade">
+                                      <p:cBhvr>
+                                        <p:cTn id="12" dur="1000"/>
+                                        <p:tgtEl>
+                                          <p:spTgt spid="13"/>
+                                        </p:tgtEl>
+                                      </p:cBhvr>
+                                    </p:animEffect>
+                                    <p:anim calcmode="lin" valueType="num">
+                                      <p:cBhvr>
+                                        <p:cTn id="13" dur="1000" fill="hold"/>
+                                        <p:tgtEl>
+                                          <p:spTgt spid="13"/>
+                                        </p:tgtEl>
+                                        <p:attrNameLst>
+                                          <p:attrName>ppt_x</p:attrName>
+                                        </p:attrNameLst>
+                                      </p:cBhvr>
+                                      <p:tavLst>
+                                        <p:tav tm="0">
+                                          <p:val>
+                                            <p:strVal val="#ppt_x"/>
+                                          </p:val>
+                                        </p:tav>
+                                        <p:tav tm="100000">
+                                          <p:val>
+                                            <p:strVal val="#ppt_x"/>
+                                          </p:val>
+                                        </p:tav>
+                                      </p:tavLst>
+                                    </p:anim>
+                                    <p:anim calcmode="lin" valueType="num">
+                                      <p:cBhvr>
+                                        <p:cTn id="14" dur="1000" fill="hold"/>
+                                        <p:tgtEl>
+                                          <p:spTgt spid="13"/>
+                                        </p:tgtEl>
+                                        <p:attrNameLst>
+                                          <p:attrName>ppt_y</p:attrName>
+                                        </p:attrNameLst>
+                                      </p:cBhvr>
+                                      <p:tavLst>
+                                        <p:tav tm="0">
+                                          <p:val>
+                                            <p:strVal val="#ppt_y+.1"/>
+                                          </p:val>
+                                        </p:tav>
+                                        <p:tav tm="100000">
+                                          <p:val>
+                                            <p:strVal val="#ppt_y"/>
+                                          </p:val>
+                                        </p:tav>
+                                      </p:tavLst>
+                                    </p:anim>
+                                  </p:childTnLst>
+                                </p:cTn>
+                              </p:par>
+                              <p:par>
+                                <p:cTn id="15" presetID="42" presetClass="entr" presetSubtype="0" fill="hold" grpId="0" nodeType="withEffect">
+                                  <p:stCondLst>
+                                    <p:cond delay="0"/>
+                                  </p:stCondLst>
+                                  <p:childTnLst>
+                                    <p:set>
+                                      <p:cBhvr>
+                                        <p:cTn id="16" dur="1" fill="hold">
+                                          <p:stCondLst>
+                                            <p:cond delay="0"/>
+                                          </p:stCondLst>
+                                        </p:cTn>
+                                        <p:tgtEl>
+                                          <p:spTgt spid="14"/>
+                                        </p:tgtEl>
+                                        <p:attrNameLst>
+                                          <p:attrName>style.visibility</p:attrName>
+                                        </p:attrNameLst>
+                                      </p:cBhvr>
+                                      <p:to>
+                                        <p:strVal val="visible"/>
+                                      </p:to>
+                                    </p:set>
+                                    <p:animEffect transition="in" filter="fade">
+                                      <p:cBhvr>
+                                        <p:cTn id="17" dur="1000"/>
+                                        <p:tgtEl>
+                                          <p:spTgt spid="14"/>
+                                        </p:tgtEl>
+                                      </p:cBhvr>
+                                    </p:animEffect>
+                                    <p:anim calcmode="lin" valueType="num">
+                                      <p:cBhvr>
+                                        <p:cTn id="18" dur="1000" fill="hold"/>
+                                        <p:tgtEl>
+                                          <p:spTgt spid="14"/>
+                                        </p:tgtEl>
+                                        <p:attrNameLst>
+                                          <p:attrName>ppt_x</p:attrName>
+                                        </p:attrNameLst>
+                                      </p:cBhvr>
+                                      <p:tavLst>
+                                        <p:tav tm="0">
+                                          <p:val>
+                                            <p:strVal val="#ppt_x"/>
+                                          </p:val>
+                                        </p:tav>
+                                        <p:tav tm="100000">
+                                          <p:val>
+                                            <p:strVal val="#ppt_x"/>
+                                          </p:val>
+                                        </p:tav>
+                                      </p:tavLst>
+                                    </p:anim>
+                                    <p:anim calcmode="lin" valueType="num">
+                                      <p:cBhvr>
+                                        <p:cTn id="19" dur="1000" fill="hold"/>
+                                        <p:tgtEl>
+                                          <p:spTgt spid="14"/>
+                                        </p:tgtEl>
+                                        <p:attrNameLst>
+                                          <p:attrName>ppt_y</p:attrName>
+                                        </p:attrNameLst>
+                                      </p:cBhvr>
+                                      <p:tavLst>
+                                        <p:tav tm="0">
+                                          <p:val>
+                                            <p:strVal val="#ppt_y+.1"/>
+                                          </p:val>
+                                        </p:tav>
+                                        <p:tav tm="100000">
+                                          <p:val>
+                                            <p:strVal val="#ppt_y"/>
+                                          </p:val>
+                                        </p:tav>
+                                      </p:tavLst>
+                                    </p:anim>
+                                  </p:childTnLst>
+                                </p:cTn>
+                              </p:par>
+                              <p:par>
+                                <p:cTn id="20" presetID="42" presetClass="entr" presetSubtype="0" fill="hold" grpId="0" nodeType="withEffect">
+                                  <p:stCondLst>
+                                    <p:cond delay="0"/>
+                                  </p:stCondLst>
+                                  <p:childTnLst>
+                                    <p:set>
+                                      <p:cBhvr>
+                                        <p:cTn id="21" dur="1" fill="hold">
+                                          <p:stCondLst>
+                                            <p:cond delay="0"/>
+                                          </p:stCondLst>
+                                        </p:cTn>
+                                        <p:tgtEl>
+                                          <p:spTgt spid="17"/>
+                                        </p:tgtEl>
+                                        <p:attrNameLst>
+                                          <p:attrName>style.visibility</p:attrName>
+                                        </p:attrNameLst>
+                                      </p:cBhvr>
+                                      <p:to>
+                                        <p:strVal val="visible"/>
+                                      </p:to>
+                                    </p:set>
+                                    <p:animEffect transition="in" filter="fade">
+                                      <p:cBhvr>
+                                        <p:cTn id="22" dur="1000"/>
+                                        <p:tgtEl>
+                                          <p:spTgt spid="17"/>
+                                        </p:tgtEl>
+                                      </p:cBhvr>
+                                    </p:animEffect>
+                                    <p:anim calcmode="lin" valueType="num">
+                                      <p:cBhvr>
+                                        <p:cTn id="23" dur="1000" fill="hold"/>
+                                        <p:tgtEl>
+                                          <p:spTgt spid="17"/>
+                                        </p:tgtEl>
+                                        <p:attrNameLst>
+                                          <p:attrName>ppt_x</p:attrName>
+                                        </p:attrNameLst>
+                                      </p:cBhvr>
+                                      <p:tavLst>
+                                        <p:tav tm="0">
+                                          <p:val>
+                                            <p:strVal val="#ppt_x"/>
+                                          </p:val>
+                                        </p:tav>
+                                        <p:tav tm="100000">
+                                          <p:val>
+                                            <p:strVal val="#ppt_x"/>
+                                          </p:val>
+                                        </p:tav>
+                                      </p:tavLst>
+                                    </p:anim>
+                                    <p:anim calcmode="lin" valueType="num">
+                                      <p:cBhvr>
+                                        <p:cTn id="24" dur="1000" fill="hold"/>
+                                        <p:tgtEl>
+                                          <p:spTgt spid="17"/>
+                                        </p:tgtEl>
+                                        <p:attrNameLst>
+                                          <p:attrName>ppt_y</p:attrName>
+                                        </p:attrNameLst>
+                                      </p:cBhvr>
+                                      <p:tavLst>
+                                        <p:tav tm="0">
+                                          <p:val>
+                                            <p:strVal val="#ppt_y+.1"/>
+                                          </p:val>
+                                        </p:tav>
+                                        <p:tav tm="100000">
+                                          <p:val>
+                                            <p:strVal val="#ppt_y"/>
+                                          </p:val>
+                                        </p:tav>
+                                      </p:tavLst>
+                                    </p:anim>
+                                  </p:childTnLst>
+                                </p:cTn>
+                              </p:par>
+                            </p:childTnLst>
+                          </p:cTn>
+                        </p:par>
+                      </p:childTnLst>
+                    </p:cTn>
+                  </p:par>
+                  <p:par>
+                    <p:cTn id="25" fill="hold">
+                      <p:stCondLst>
+                        <p:cond delay="indefinite"/>
+                      </p:stCondLst>
+                      <p:childTnLst>
+                        <p:par>
+                          <p:cTn id="26" fill="hold">
+                            <p:stCondLst>
+                              <p:cond delay="0"/>
+                            </p:stCondLst>
+                            <p:childTnLst>
+                              <p:par>
+                                <p:cTn id="27" presetID="1" presetClass="entr" presetSubtype="0" fill="hold" grpId="1" nodeType="clickEffect">
+                                  <p:stCondLst>
+                                    <p:cond delay="0"/>
+                                  </p:stCondLst>
+                                  <p:childTnLst>
+                                    <p:set>
+                                      <p:cBhvr>
+                                        <p:cTn id="28" dur="1" fill="hold">
+                                          <p:stCondLst>
+                                            <p:cond delay="0"/>
+                                          </p:stCondLst>
+                                        </p:cTn>
+                                        <p:tgtEl>
+                                          <p:spTgt spid="13"/>
+                                        </p:tgtEl>
+                                        <p:attrNameLst>
+                                          <p:attrName>style.visibility</p:attrName>
+                                        </p:attrNameLst>
+                                      </p:cBhvr>
+                                      <p:to>
+                                        <p:strVal val="visible"/>
+                                      </p:to>
+                                    </p:set>
+                                  </p:childTnLst>
+                                </p:cTn>
+                              </p:par>
+                              <p:par>
+                                <p:cTn id="29" presetID="1" presetClass="entr" presetSubtype="0" fill="hold" grpId="1" nodeType="withEffect">
+                                  <p:stCondLst>
+                                    <p:cond delay="0"/>
+                                  </p:stCondLst>
+                                  <p:childTnLst>
+                                    <p:set>
+                                      <p:cBhvr>
+                                        <p:cTn id="30" dur="1" fill="hold">
+                                          <p:stCondLst>
+                                            <p:cond delay="0"/>
+                                          </p:stCondLst>
+                                        </p:cTn>
+                                        <p:tgtEl>
+                                          <p:spTgt spid="14"/>
+                                        </p:tgtEl>
+                                        <p:attrNameLst>
+                                          <p:attrName>style.visibility</p:attrName>
+                                        </p:attrNameLst>
+                                      </p:cBhvr>
+                                      <p:to>
+                                        <p:strVal val="visible"/>
+                                      </p:to>
+                                    </p:set>
+                                  </p:childTnLst>
+                                </p:cTn>
+                              </p:par>
+                              <p:par>
+                                <p:cTn id="31" presetID="1" presetClass="entr" presetSubtype="0" fill="hold" grpId="1" nodeType="withEffect">
+                                  <p:stCondLst>
+                                    <p:cond delay="0"/>
+                                  </p:stCondLst>
+                                  <p:childTnLst>
+                                    <p:set>
+                                      <p:cBhvr>
+                                        <p:cTn id="32" dur="1" fill="hold">
+                                          <p:stCondLst>
+                                            <p:cond delay="0"/>
+                                          </p:stCondLst>
+                                        </p:cTn>
+                                        <p:tgtEl>
+                                          <p:spTgt spid="17"/>
+                                        </p:tgtEl>
+                                        <p:attrNameLst>
+                                          <p:attrName>style.visibility</p:attrName>
+                                        </p:attrNameLst>
+                                      </p:cBhvr>
+                                      <p:to>
+                                        <p:strVal val="visible"/>
+                                      </p:to>
+                                    </p:set>
+                                  </p:childTnLst>
+                                </p:cTn>
+                              </p:par>
+                              <p:par>
+                                <p:cTn id="33" presetID="1" presetClass="entr" presetSubtype="0" fill="hold" grpId="0" nodeType="withEffect">
+                                  <p:stCondLst>
+                                    <p:cond delay="0"/>
+                                  </p:stCondLst>
+                                  <p:childTnLst>
+                                    <p:set>
+                                      <p:cBhvr>
+                                        <p:cTn id="34" dur="1" fill="hold">
+                                          <p:stCondLst>
+                                            <p:cond delay="0"/>
+                                          </p:stCondLst>
+                                        </p:cTn>
+                                        <p:tgtEl>
+                                          <p:spTgt spid="12"/>
+                                        </p:tgtEl>
+                                        <p:attrNameLst>
+                                          <p:attrName>style.visibility</p:attrName>
+                                        </p:attrNameLst>
+                                      </p:cBhvr>
+                                      <p:to>
+                                        <p:strVal val="visible"/>
+                                      </p:to>
+                                    </p:set>
+                                  </p:childTnLst>
+                                </p:cTn>
+                              </p:par>
+                              <p:par>
+                                <p:cTn id="35" presetID="1" presetClass="entr" presetSubtype="0" fill="hold" grpId="0" nodeType="withEffect">
+                                  <p:stCondLst>
+                                    <p:cond delay="0"/>
+                                  </p:stCondLst>
+                                  <p:childTnLst>
+                                    <p:set>
+                                      <p:cBhvr>
+                                        <p:cTn id="36" dur="1" fill="hold">
+                                          <p:stCondLst>
+                                            <p:cond delay="0"/>
+                                          </p:stCondLst>
+                                        </p:cTn>
+                                        <p:tgtEl>
+                                          <p:spTgt spid="19"/>
+                                        </p:tgtEl>
+                                        <p:attrNameLst>
+                                          <p:attrName>style.visibility</p:attrName>
+                                        </p:attrNameLst>
+                                      </p:cBhvr>
+                                      <p:to>
+                                        <p:strVal val="visible"/>
+                                      </p:to>
+                                    </p:set>
+                                  </p:childTnLst>
+                                </p:cTn>
+                              </p:par>
+                            </p:childTnLst>
+                          </p:cTn>
+                        </p:par>
+                      </p:childTnLst>
+                    </p:cTn>
+                  </p:par>
+                </p:childTnLst>
+              </p:cTn>
+              <p:prevCondLst>
+                <p:cond evt="onPrev" delay="0">
+                  <p:tgtEl>
+                    <p:sldTgt/>
+                  </p:tgtEl>
+                </p:cond>
+              </p:prevCondLst>
+              <p:nextCondLst>
+                <p:cond evt="onNext" delay="0">
+                  <p:tgtEl>
+                    <p:sldTgt/>
+                  </p:tgtEl>
+                </p:cond>
+              </p:nextCondLst>
+            </p:seq>
+          </p:childTnLst>
+        </p:cTn>
       </p:par>
     </p:tnLst>
+    <p:bldLst>
+      <p:bldP spid="12" grpId="0" animBg="1"/>
+      <p:bldP spid="13" grpId="0"/>
+      <p:bldP spid="13" grpId="1"/>
+      <p:bldP spid="14" grpId="0"/>
+      <p:bldP spid="14" grpId="1"/>
+      <p:bldP spid="17" grpId="0"/>
+      <p:bldP spid="17" grpId="1"/>
+      <p:bldP spid="19" grpId="0"/>
+      <p:bldGraphic spid="6" grpId="0">
+        <p:bldAsOne/>
+      </p:bldGraphic>
+    </p:bldLst>
   </p:timing>
 </p:sld>
 </file>
@@ -41491,9 +40828,335 @@
   <p:timing>
     <p:tnLst>
       <p:par>
-        <p:cTn id="1" dur="indefinite" restart="never" nodeType="tmRoot"/>
+        <p:cTn id="1" dur="indefinite" restart="never" nodeType="tmRoot">
+          <p:childTnLst>
+            <p:seq concurrent="1" nextAc="seek">
+              <p:cTn id="2" dur="indefinite" nodeType="mainSeq">
+                <p:childTnLst>
+                  <p:par>
+                    <p:cTn id="3" fill="hold">
+                      <p:stCondLst>
+                        <p:cond delay="indefinite"/>
+                      </p:stCondLst>
+                      <p:childTnLst>
+                        <p:par>
+                          <p:cTn id="4" fill="hold">
+                            <p:stCondLst>
+                              <p:cond delay="0"/>
+                            </p:stCondLst>
+                            <p:childTnLst>
+                              <p:par>
+                                <p:cTn id="5" presetID="2" presetClass="entr" presetSubtype="4" fill="hold" grpId="0" nodeType="clickEffect">
+                                  <p:stCondLst>
+                                    <p:cond delay="0"/>
+                                  </p:stCondLst>
+                                  <p:childTnLst>
+                                    <p:set>
+                                      <p:cBhvr>
+                                        <p:cTn id="6" dur="1" fill="hold">
+                                          <p:stCondLst>
+                                            <p:cond delay="0"/>
+                                          </p:stCondLst>
+                                        </p:cTn>
+                                        <p:tgtEl>
+                                          <p:spTgt spid="15"/>
+                                        </p:tgtEl>
+                                        <p:attrNameLst>
+                                          <p:attrName>style.visibility</p:attrName>
+                                        </p:attrNameLst>
+                                      </p:cBhvr>
+                                      <p:to>
+                                        <p:strVal val="visible"/>
+                                      </p:to>
+                                    </p:set>
+                                    <p:anim calcmode="lin" valueType="num">
+                                      <p:cBhvr additive="base">
+                                        <p:cTn id="7" dur="500" fill="hold"/>
+                                        <p:tgtEl>
+                                          <p:spTgt spid="15"/>
+                                        </p:tgtEl>
+                                        <p:attrNameLst>
+                                          <p:attrName>ppt_x</p:attrName>
+                                        </p:attrNameLst>
+                                      </p:cBhvr>
+                                      <p:tavLst>
+                                        <p:tav tm="0">
+                                          <p:val>
+                                            <p:strVal val="#ppt_x"/>
+                                          </p:val>
+                                        </p:tav>
+                                        <p:tav tm="100000">
+                                          <p:val>
+                                            <p:strVal val="#ppt_x"/>
+                                          </p:val>
+                                        </p:tav>
+                                      </p:tavLst>
+                                    </p:anim>
+                                    <p:anim calcmode="lin" valueType="num">
+                                      <p:cBhvr additive="base">
+                                        <p:cTn id="8" dur="500" fill="hold"/>
+                                        <p:tgtEl>
+                                          <p:spTgt spid="15"/>
+                                        </p:tgtEl>
+                                        <p:attrNameLst>
+                                          <p:attrName>ppt_y</p:attrName>
+                                        </p:attrNameLst>
+                                      </p:cBhvr>
+                                      <p:tavLst>
+                                        <p:tav tm="0">
+                                          <p:val>
+                                            <p:strVal val="1+#ppt_h/2"/>
+                                          </p:val>
+                                        </p:tav>
+                                        <p:tav tm="100000">
+                                          <p:val>
+                                            <p:strVal val="#ppt_y"/>
+                                          </p:val>
+                                        </p:tav>
+                                      </p:tavLst>
+                                    </p:anim>
+                                  </p:childTnLst>
+                                </p:cTn>
+                              </p:par>
+                            </p:childTnLst>
+                          </p:cTn>
+                        </p:par>
+                      </p:childTnLst>
+                    </p:cTn>
+                  </p:par>
+                  <p:par>
+                    <p:cTn id="9" fill="hold">
+                      <p:stCondLst>
+                        <p:cond delay="indefinite"/>
+                      </p:stCondLst>
+                      <p:childTnLst>
+                        <p:par>
+                          <p:cTn id="10" fill="hold">
+                            <p:stCondLst>
+                              <p:cond delay="0"/>
+                            </p:stCondLst>
+                            <p:childTnLst>
+                              <p:par>
+                                <p:cTn id="11" presetID="10" presetClass="entr" presetSubtype="0" fill="hold" grpId="0" nodeType="clickEffect">
+                                  <p:stCondLst>
+                                    <p:cond delay="0"/>
+                                  </p:stCondLst>
+                                  <p:childTnLst>
+                                    <p:set>
+                                      <p:cBhvr>
+                                        <p:cTn id="12" dur="1" fill="hold">
+                                          <p:stCondLst>
+                                            <p:cond delay="0"/>
+                                          </p:stCondLst>
+                                        </p:cTn>
+                                        <p:tgtEl>
+                                          <p:spTgt spid="13"/>
+                                        </p:tgtEl>
+                                        <p:attrNameLst>
+                                          <p:attrName>style.visibility</p:attrName>
+                                        </p:attrNameLst>
+                                      </p:cBhvr>
+                                      <p:to>
+                                        <p:strVal val="visible"/>
+                                      </p:to>
+                                    </p:set>
+                                    <p:animEffect transition="in" filter="fade">
+                                      <p:cBhvr>
+                                        <p:cTn id="13" dur="500"/>
+                                        <p:tgtEl>
+                                          <p:spTgt spid="13"/>
+                                        </p:tgtEl>
+                                      </p:cBhvr>
+                                    </p:animEffect>
+                                  </p:childTnLst>
+                                </p:cTn>
+                              </p:par>
+                            </p:childTnLst>
+                          </p:cTn>
+                        </p:par>
+                      </p:childTnLst>
+                    </p:cTn>
+                  </p:par>
+                  <p:par>
+                    <p:cTn id="14" fill="hold">
+                      <p:stCondLst>
+                        <p:cond delay="indefinite"/>
+                      </p:stCondLst>
+                      <p:childTnLst>
+                        <p:par>
+                          <p:cTn id="15" fill="hold">
+                            <p:stCondLst>
+                              <p:cond delay="0"/>
+                            </p:stCondLst>
+                            <p:childTnLst>
+                              <p:par>
+                                <p:cTn id="16" presetID="22" presetClass="entr" presetSubtype="4" fill="hold" nodeType="clickEffect">
+                                  <p:stCondLst>
+                                    <p:cond delay="0"/>
+                                  </p:stCondLst>
+                                  <p:childTnLst>
+                                    <p:set>
+                                      <p:cBhvr>
+                                        <p:cTn id="17" dur="1" fill="hold">
+                                          <p:stCondLst>
+                                            <p:cond delay="0"/>
+                                          </p:stCondLst>
+                                        </p:cTn>
+                                        <p:tgtEl>
+                                          <p:spTgt spid="21"/>
+                                        </p:tgtEl>
+                                        <p:attrNameLst>
+                                          <p:attrName>style.visibility</p:attrName>
+                                        </p:attrNameLst>
+                                      </p:cBhvr>
+                                      <p:to>
+                                        <p:strVal val="visible"/>
+                                      </p:to>
+                                    </p:set>
+                                    <p:animEffect transition="in" filter="wipe(down)">
+                                      <p:cBhvr>
+                                        <p:cTn id="18" dur="500"/>
+                                        <p:tgtEl>
+                                          <p:spTgt spid="21"/>
+                                        </p:tgtEl>
+                                      </p:cBhvr>
+                                    </p:animEffect>
+                                  </p:childTnLst>
+                                </p:cTn>
+                              </p:par>
+                            </p:childTnLst>
+                          </p:cTn>
+                        </p:par>
+                      </p:childTnLst>
+                    </p:cTn>
+                  </p:par>
+                  <p:par>
+                    <p:cTn id="19" fill="hold">
+                      <p:stCondLst>
+                        <p:cond delay="indefinite"/>
+                      </p:stCondLst>
+                      <p:childTnLst>
+                        <p:par>
+                          <p:cTn id="20" fill="hold">
+                            <p:stCondLst>
+                              <p:cond delay="0"/>
+                            </p:stCondLst>
+                            <p:childTnLst>
+                              <p:par>
+                                <p:cTn id="21" presetID="42" presetClass="entr" presetSubtype="0" fill="hold" grpId="0" nodeType="clickEffect">
+                                  <p:stCondLst>
+                                    <p:cond delay="0"/>
+                                  </p:stCondLst>
+                                  <p:childTnLst>
+                                    <p:set>
+                                      <p:cBhvr>
+                                        <p:cTn id="22" dur="1" fill="hold">
+                                          <p:stCondLst>
+                                            <p:cond delay="0"/>
+                                          </p:stCondLst>
+                                        </p:cTn>
+                                        <p:tgtEl>
+                                          <p:spTgt spid="23"/>
+                                        </p:tgtEl>
+                                        <p:attrNameLst>
+                                          <p:attrName>style.visibility</p:attrName>
+                                        </p:attrNameLst>
+                                      </p:cBhvr>
+                                      <p:to>
+                                        <p:strVal val="visible"/>
+                                      </p:to>
+                                    </p:set>
+                                    <p:animEffect transition="in" filter="fade">
+                                      <p:cBhvr>
+                                        <p:cTn id="23" dur="1000"/>
+                                        <p:tgtEl>
+                                          <p:spTgt spid="23"/>
+                                        </p:tgtEl>
+                                      </p:cBhvr>
+                                    </p:animEffect>
+                                    <p:anim calcmode="lin" valueType="num">
+                                      <p:cBhvr>
+                                        <p:cTn id="24" dur="1000" fill="hold"/>
+                                        <p:tgtEl>
+                                          <p:spTgt spid="23"/>
+                                        </p:tgtEl>
+                                        <p:attrNameLst>
+                                          <p:attrName>ppt_x</p:attrName>
+                                        </p:attrNameLst>
+                                      </p:cBhvr>
+                                      <p:tavLst>
+                                        <p:tav tm="0">
+                                          <p:val>
+                                            <p:strVal val="#ppt_x"/>
+                                          </p:val>
+                                        </p:tav>
+                                        <p:tav tm="100000">
+                                          <p:val>
+                                            <p:strVal val="#ppt_x"/>
+                                          </p:val>
+                                        </p:tav>
+                                      </p:tavLst>
+                                    </p:anim>
+                                    <p:anim calcmode="lin" valueType="num">
+                                      <p:cBhvr>
+                                        <p:cTn id="25" dur="1000" fill="hold"/>
+                                        <p:tgtEl>
+                                          <p:spTgt spid="23"/>
+                                        </p:tgtEl>
+                                        <p:attrNameLst>
+                                          <p:attrName>ppt_y</p:attrName>
+                                        </p:attrNameLst>
+                                      </p:cBhvr>
+                                      <p:tavLst>
+                                        <p:tav tm="0">
+                                          <p:val>
+                                            <p:strVal val="#ppt_y+.1"/>
+                                          </p:val>
+                                        </p:tav>
+                                        <p:tav tm="100000">
+                                          <p:val>
+                                            <p:strVal val="#ppt_y"/>
+                                          </p:val>
+                                        </p:tav>
+                                      </p:tavLst>
+                                    </p:anim>
+                                  </p:childTnLst>
+                                </p:cTn>
+                              </p:par>
+                            </p:childTnLst>
+                          </p:cTn>
+                        </p:par>
+                      </p:childTnLst>
+                    </p:cTn>
+                  </p:par>
+                </p:childTnLst>
+              </p:cTn>
+              <p:prevCondLst>
+                <p:cond evt="onPrev" delay="0">
+                  <p:tgtEl>
+                    <p:sldTgt/>
+                  </p:tgtEl>
+                </p:cond>
+              </p:prevCondLst>
+              <p:nextCondLst>
+                <p:cond evt="onNext" delay="0">
+                  <p:tgtEl>
+                    <p:sldTgt/>
+                  </p:tgtEl>
+                </p:cond>
+              </p:nextCondLst>
+            </p:seq>
+          </p:childTnLst>
+        </p:cTn>
       </p:par>
     </p:tnLst>
+    <p:bldLst>
+      <p:bldGraphic spid="13" grpId="0">
+        <p:bldAsOne/>
+      </p:bldGraphic>
+      <p:bldP spid="15" grpId="0" animBg="1"/>
+      <p:bldP spid="23" grpId="0" animBg="1"/>
+    </p:bldLst>
   </p:timing>
 </p:sld>
 </file>
@@ -41690,9 +41353,90 @@
   <p:timing>
     <p:tnLst>
       <p:par>
-        <p:cTn id="1" dur="indefinite" restart="never" nodeType="tmRoot"/>
+        <p:cTn id="1" dur="indefinite" restart="never" nodeType="tmRoot">
+          <p:childTnLst>
+            <p:seq concurrent="1" nextAc="seek">
+              <p:cTn id="2" dur="indefinite" nodeType="mainSeq">
+                <p:childTnLst>
+                  <p:par>
+                    <p:cTn id="3" fill="hold">
+                      <p:stCondLst>
+                        <p:cond delay="indefinite"/>
+                      </p:stCondLst>
+                      <p:childTnLst>
+                        <p:par>
+                          <p:cTn id="4" fill="hold">
+                            <p:stCondLst>
+                              <p:cond delay="0"/>
+                            </p:stCondLst>
+                            <p:childTnLst>
+                              <p:par>
+                                <p:cTn id="5" presetID="10" presetClass="entr" presetSubtype="0" fill="hold" grpId="0" nodeType="clickEffect">
+                                  <p:stCondLst>
+                                    <p:cond delay="0"/>
+                                  </p:stCondLst>
+                                  <p:childTnLst>
+                                    <p:set>
+                                      <p:cBhvr>
+                                        <p:cTn id="6" dur="1" fill="hold">
+                                          <p:stCondLst>
+                                            <p:cond delay="0"/>
+                                          </p:stCondLst>
+                                        </p:cTn>
+                                        <p:tgtEl>
+                                          <p:spTgt spid="3"/>
+                                        </p:tgtEl>
+                                        <p:attrNameLst>
+                                          <p:attrName>style.visibility</p:attrName>
+                                        </p:attrNameLst>
+                                      </p:cBhvr>
+                                      <p:to>
+                                        <p:strVal val="visible"/>
+                                      </p:to>
+                                    </p:set>
+                                    <p:animEffect transition="in" filter="fade">
+                                      <p:cBhvr>
+                                        <p:cTn id="7" dur="500"/>
+                                        <p:tgtEl>
+                                          <p:spTgt spid="3"/>
+                                        </p:tgtEl>
+                                      </p:cBhvr>
+                                    </p:animEffect>
+                                  </p:childTnLst>
+                                </p:cTn>
+                              </p:par>
+                            </p:childTnLst>
+                          </p:cTn>
+                        </p:par>
+                      </p:childTnLst>
+                    </p:cTn>
+                  </p:par>
+                </p:childTnLst>
+              </p:cTn>
+              <p:prevCondLst>
+                <p:cond evt="onPrev" delay="0">
+                  <p:tgtEl>
+                    <p:sldTgt/>
+                  </p:tgtEl>
+                </p:cond>
+              </p:prevCondLst>
+              <p:nextCondLst>
+                <p:cond evt="onNext" delay="0">
+                  <p:tgtEl>
+                    <p:sldTgt/>
+                  </p:tgtEl>
+                </p:cond>
+              </p:nextCondLst>
+            </p:seq>
+          </p:childTnLst>
+        </p:cTn>
       </p:par>
     </p:tnLst>
+    <p:bldLst>
+      <p:bldGraphic spid="3" grpId="0">
+        <p:bldAsOne/>
+      </p:bldGraphic>
+    </p:bldLst>
   </p:timing>
 </p:sld>
 </file>
@@ -42077,36 +41821,6 @@
           </p:txBody>
         </p:sp>
       </p:grpSp>
-      <p:pic>
-        <p:nvPicPr>
-          <p:cNvPr id="12" name="图片 11"/>
-          <p:cNvPicPr>
-            <a:picLocks noChangeAspect="1"/>
-          </p:cNvPicPr>
-          <p:nvPr/>
-        </p:nvPicPr>
-        <p:blipFill>
-          <a:blip r:embed="rId2">
-            <a:extLst>
-              <a:ext uri="{28A0092B-C50C-407E-A947-70E740481C1C}">
-                <a14:useLocalDpi xmlns:a14="http://schemas.microsoft.com/office/drawing/2010/main" val="0"/>
-              </a:ext>
-            </a:extLst>
-          </a:blip>
-          <a:stretch>
-            <a:fillRect/>
-          </a:stretch>
-        </p:blipFill>
-        <p:spPr>
-          <a:xfrm>
-            <a:off x="5453489" y="6156254"/>
-            <a:ext cx="1000000" cy="485714"/>
-          </a:xfrm>
-          <a:prstGeom prst="rect">
-            <a:avLst/>
-          </a:prstGeom>
-        </p:spPr>
-      </p:pic>
     </p:spTree>
     <p:extLst>
       <p:ext uri="{BB962C8B-B14F-4D97-AF65-F5344CB8AC3E}">
@@ -42117,13 +41831,13 @@
   <p:clrMapOvr>
     <a:masterClrMapping/>
   </p:clrMapOvr>
-  <mc:AlternateContent xmlns:mc="http://schemas.openxmlformats.org/markup-compatibility/2006">
-    <mc:Choice xmlns:p15="http://schemas.microsoft.com/office/powerpoint/2012/main" Requires="p15">
+  <mc:AlternateContent xmlns:mc="http://schemas.openxmlformats.org/markup-compatibility/2006" xmlns:p15="http://schemas.microsoft.com/office/powerpoint/2012/main">
+    <mc:Choice Requires="p15">
       <p:transition xmlns:p14="http://schemas.microsoft.com/office/powerpoint/2010/main" spd="slow" p14:dur="1250">
         <p15:prstTrans prst="peelOff"/>
       </p:transition>
     </mc:Choice>
-    <mc:Fallback>
+    <mc:Fallback xmlns="">
       <p:transition spd="slow">
         <p:fade/>
       </p:transition>
@@ -42702,36 +42416,6 @@
           </a:sp3d>
         </p:spPr>
       </p:pic>
-      <p:pic>
-        <p:nvPicPr>
-          <p:cNvPr id="11" name="图片 10"/>
-          <p:cNvPicPr>
-            <a:picLocks noChangeAspect="1"/>
-          </p:cNvPicPr>
-          <p:nvPr/>
-        </p:nvPicPr>
-        <p:blipFill>
-          <a:blip r:embed="rId4">
-            <a:extLst>
-              <a:ext uri="{28A0092B-C50C-407E-A947-70E740481C1C}">
-                <a14:useLocalDpi xmlns:a14="http://schemas.microsoft.com/office/drawing/2010/main" val="0"/>
-              </a:ext>
-            </a:extLst>
-          </a:blip>
-          <a:stretch>
-            <a:fillRect/>
-          </a:stretch>
-        </p:blipFill>
-        <p:spPr>
-          <a:xfrm>
-            <a:off x="10588196" y="6057780"/>
-            <a:ext cx="1000000" cy="485714"/>
-          </a:xfrm>
-          <a:prstGeom prst="rect">
-            <a:avLst/>
-          </a:prstGeom>
-        </p:spPr>
-      </p:pic>
     </p:spTree>
     <p:extLst>
       <p:ext uri="{BB962C8B-B14F-4D97-AF65-F5344CB8AC3E}">
